--- a/img/pin_map.pptx
+++ b/img/pin_map.pptx
@@ -210,7 +210,7 @@
           <a:p>
             <a:fld id="{4EB02BDD-3154-492D-BE59-59C507D5296B}" type="datetimeFigureOut">
               <a:rPr lang="zh-CN" altLang="en-US" smtClean="0"/>
-              <a:t>2018/10/18</a:t>
+              <a:t>2018/10/23</a:t>
             </a:fld>
             <a:endParaRPr lang="zh-CN" altLang="en-US"/>
           </a:p>
@@ -794,7 +794,7 @@
           <a:p>
             <a:fld id="{6BAEC7DB-416E-4648-AE31-15D6F0A9A9FB}" type="datetimeFigureOut">
               <a:rPr lang="en-US" smtClean="0"/>
-              <a:t>10/18/2018</a:t>
+              <a:t>10/23/2018</a:t>
             </a:fld>
             <a:endParaRPr lang="en-US"/>
           </a:p>
@@ -994,7 +994,7 @@
           <a:p>
             <a:fld id="{6BAEC7DB-416E-4648-AE31-15D6F0A9A9FB}" type="datetimeFigureOut">
               <a:rPr lang="en-US" smtClean="0"/>
-              <a:t>10/18/2018</a:t>
+              <a:t>10/23/2018</a:t>
             </a:fld>
             <a:endParaRPr lang="en-US"/>
           </a:p>
@@ -1204,7 +1204,7 @@
           <a:p>
             <a:fld id="{6BAEC7DB-416E-4648-AE31-15D6F0A9A9FB}" type="datetimeFigureOut">
               <a:rPr lang="en-US" smtClean="0"/>
-              <a:t>10/18/2018</a:t>
+              <a:t>10/23/2018</a:t>
             </a:fld>
             <a:endParaRPr lang="en-US"/>
           </a:p>
@@ -1404,7 +1404,7 @@
           <a:p>
             <a:fld id="{6BAEC7DB-416E-4648-AE31-15D6F0A9A9FB}" type="datetimeFigureOut">
               <a:rPr lang="en-US" smtClean="0"/>
-              <a:t>10/18/2018</a:t>
+              <a:t>10/23/2018</a:t>
             </a:fld>
             <a:endParaRPr lang="en-US"/>
           </a:p>
@@ -1680,7 +1680,7 @@
           <a:p>
             <a:fld id="{6BAEC7DB-416E-4648-AE31-15D6F0A9A9FB}" type="datetimeFigureOut">
               <a:rPr lang="en-US" smtClean="0"/>
-              <a:t>10/18/2018</a:t>
+              <a:t>10/23/2018</a:t>
             </a:fld>
             <a:endParaRPr lang="en-US"/>
           </a:p>
@@ -1948,7 +1948,7 @@
           <a:p>
             <a:fld id="{6BAEC7DB-416E-4648-AE31-15D6F0A9A9FB}" type="datetimeFigureOut">
               <a:rPr lang="en-US" smtClean="0"/>
-              <a:t>10/18/2018</a:t>
+              <a:t>10/23/2018</a:t>
             </a:fld>
             <a:endParaRPr lang="en-US"/>
           </a:p>
@@ -2363,7 +2363,7 @@
           <a:p>
             <a:fld id="{6BAEC7DB-416E-4648-AE31-15D6F0A9A9FB}" type="datetimeFigureOut">
               <a:rPr lang="en-US" smtClean="0"/>
-              <a:t>10/18/2018</a:t>
+              <a:t>10/23/2018</a:t>
             </a:fld>
             <a:endParaRPr lang="en-US"/>
           </a:p>
@@ -2505,7 +2505,7 @@
           <a:p>
             <a:fld id="{6BAEC7DB-416E-4648-AE31-15D6F0A9A9FB}" type="datetimeFigureOut">
               <a:rPr lang="en-US" smtClean="0"/>
-              <a:t>10/18/2018</a:t>
+              <a:t>10/23/2018</a:t>
             </a:fld>
             <a:endParaRPr lang="en-US"/>
           </a:p>
@@ -2618,7 +2618,7 @@
           <a:p>
             <a:fld id="{6BAEC7DB-416E-4648-AE31-15D6F0A9A9FB}" type="datetimeFigureOut">
               <a:rPr lang="en-US" smtClean="0"/>
-              <a:t>10/18/2018</a:t>
+              <a:t>10/23/2018</a:t>
             </a:fld>
             <a:endParaRPr lang="en-US"/>
           </a:p>
@@ -2931,7 +2931,7 @@
           <a:p>
             <a:fld id="{6BAEC7DB-416E-4648-AE31-15D6F0A9A9FB}" type="datetimeFigureOut">
               <a:rPr lang="en-US" smtClean="0"/>
-              <a:t>10/18/2018</a:t>
+              <a:t>10/23/2018</a:t>
             </a:fld>
             <a:endParaRPr lang="en-US"/>
           </a:p>
@@ -3220,7 +3220,7 @@
           <a:p>
             <a:fld id="{6BAEC7DB-416E-4648-AE31-15D6F0A9A9FB}" type="datetimeFigureOut">
               <a:rPr lang="en-US" smtClean="0"/>
-              <a:t>10/18/2018</a:t>
+              <a:t>10/23/2018</a:t>
             </a:fld>
             <a:endParaRPr lang="en-US"/>
           </a:p>
@@ -3463,7 +3463,7 @@
           <a:p>
             <a:fld id="{6BAEC7DB-416E-4648-AE31-15D6F0A9A9FB}" type="datetimeFigureOut">
               <a:rPr lang="en-US" smtClean="0"/>
-              <a:t>10/18/2018</a:t>
+              <a:t>10/23/2018</a:t>
             </a:fld>
             <a:endParaRPr lang="en-US"/>
           </a:p>
@@ -3908,7 +3908,7 @@
         </p:blipFill>
         <p:spPr>
           <a:xfrm>
-            <a:off x="3443759" y="579440"/>
+            <a:off x="3634259" y="579440"/>
             <a:ext cx="5593011" cy="4194758"/>
           </a:xfrm>
           <a:prstGeom prst="rect">
@@ -3932,7 +3932,7 @@
         </p:nvCxnSpPr>
         <p:spPr>
           <a:xfrm>
-            <a:off x="3358117" y="2249818"/>
+            <a:off x="3720067" y="2249818"/>
             <a:ext cx="1215630" cy="0"/>
           </a:xfrm>
           <a:prstGeom prst="line">
@@ -3979,7 +3979,7 @@
         </p:nvCxnSpPr>
         <p:spPr>
           <a:xfrm>
-            <a:off x="3358117" y="2952220"/>
+            <a:off x="3720067" y="2952220"/>
             <a:ext cx="1215630" cy="0"/>
           </a:xfrm>
           <a:prstGeom prst="line">
@@ -4026,7 +4026,7 @@
         </p:nvCxnSpPr>
         <p:spPr>
           <a:xfrm>
-            <a:off x="3358117" y="2733737"/>
+            <a:off x="3720067" y="2733737"/>
             <a:ext cx="1205080" cy="0"/>
           </a:xfrm>
           <a:prstGeom prst="line">
@@ -4073,7 +4073,7 @@
         </p:nvCxnSpPr>
         <p:spPr>
           <a:xfrm>
-            <a:off x="3358117" y="2511446"/>
+            <a:off x="3720067" y="2511446"/>
             <a:ext cx="1184152" cy="0"/>
           </a:xfrm>
           <a:prstGeom prst="line">
@@ -4118,7 +4118,7 @@
         </p:nvSpPr>
         <p:spPr>
           <a:xfrm>
-            <a:off x="2337842" y="4379372"/>
+            <a:off x="2614067" y="4379372"/>
             <a:ext cx="4663386" cy="2205732"/>
           </a:xfrm>
           <a:prstGeom prst="rect">
@@ -4305,7 +4305,7 @@
         </p:blipFill>
         <p:spPr>
           <a:xfrm>
-            <a:off x="2401396" y="2082459"/>
+            <a:off x="2763346" y="2082459"/>
             <a:ext cx="476250" cy="476250"/>
           </a:xfrm>
           <a:prstGeom prst="rect">
@@ -4341,7 +4341,7 @@
         </p:blipFill>
         <p:spPr>
           <a:xfrm>
-            <a:off x="2401396" y="1521769"/>
+            <a:off x="2763346" y="1521769"/>
             <a:ext cx="476250" cy="476250"/>
           </a:xfrm>
           <a:prstGeom prst="rect">
@@ -4377,7 +4377,7 @@
         </p:blipFill>
         <p:spPr>
           <a:xfrm>
-            <a:off x="2401396" y="3170382"/>
+            <a:off x="2763346" y="3170382"/>
             <a:ext cx="476250" cy="476250"/>
           </a:xfrm>
           <a:prstGeom prst="rect">
@@ -4413,7 +4413,7 @@
         </p:blipFill>
         <p:spPr>
           <a:xfrm>
-            <a:off x="2401396" y="2626420"/>
+            <a:off x="2763346" y="2626420"/>
             <a:ext cx="476250" cy="476250"/>
           </a:xfrm>
           <a:prstGeom prst="rect">
@@ -4449,7 +4449,7 @@
         </p:blipFill>
         <p:spPr>
           <a:xfrm>
-            <a:off x="2134696" y="4774198"/>
+            <a:off x="2410921" y="4774198"/>
             <a:ext cx="266700" cy="266700"/>
           </a:xfrm>
           <a:prstGeom prst="rect">
@@ -4485,7 +4485,7 @@
         </p:blipFill>
         <p:spPr>
           <a:xfrm>
-            <a:off x="2134696" y="4457893"/>
+            <a:off x="2410921" y="4457893"/>
             <a:ext cx="266700" cy="266700"/>
           </a:xfrm>
           <a:prstGeom prst="rect">
@@ -4521,7 +4521,7 @@
         </p:blipFill>
         <p:spPr>
           <a:xfrm>
-            <a:off x="2134696" y="5406811"/>
+            <a:off x="2410921" y="5406811"/>
             <a:ext cx="266700" cy="266700"/>
           </a:xfrm>
           <a:prstGeom prst="rect">
@@ -4557,7 +4557,7 @@
         </p:blipFill>
         <p:spPr>
           <a:xfrm>
-            <a:off x="2134696" y="5090505"/>
+            <a:off x="2410921" y="5090505"/>
             <a:ext cx="266700" cy="266700"/>
           </a:xfrm>
           <a:prstGeom prst="rect">
@@ -4582,7 +4582,7 @@
         </p:nvCxnSpPr>
         <p:spPr>
           <a:xfrm flipH="1" flipV="1">
-            <a:off x="2877646" y="1759894"/>
+            <a:off x="3239596" y="1759894"/>
             <a:ext cx="480471" cy="470058"/>
           </a:xfrm>
           <a:prstGeom prst="line">
@@ -4630,7 +4630,7 @@
         </p:nvCxnSpPr>
         <p:spPr>
           <a:xfrm flipH="1" flipV="1">
-            <a:off x="2877646" y="2320584"/>
+            <a:off x="3239596" y="2320584"/>
             <a:ext cx="480471" cy="183351"/>
           </a:xfrm>
           <a:prstGeom prst="line">
@@ -4678,7 +4678,7 @@
         </p:nvCxnSpPr>
         <p:spPr>
           <a:xfrm flipH="1">
-            <a:off x="2877646" y="2740743"/>
+            <a:off x="3239596" y="2740743"/>
             <a:ext cx="480471" cy="123802"/>
           </a:xfrm>
           <a:prstGeom prst="line">
@@ -4726,7 +4726,7 @@
         </p:nvCxnSpPr>
         <p:spPr>
           <a:xfrm flipH="1">
-            <a:off x="2877646" y="2972507"/>
+            <a:off x="3239596" y="2972507"/>
             <a:ext cx="480472" cy="436000"/>
           </a:xfrm>
           <a:prstGeom prst="line">
@@ -4773,7 +4773,7 @@
         </p:nvCxnSpPr>
         <p:spPr>
           <a:xfrm>
-            <a:off x="7779780" y="2605373"/>
+            <a:off x="7855980" y="2605373"/>
             <a:ext cx="893868" cy="0"/>
           </a:xfrm>
           <a:prstGeom prst="line">
@@ -4820,7 +4820,7 @@
         </p:nvCxnSpPr>
         <p:spPr>
           <a:xfrm flipV="1">
-            <a:off x="8673648" y="2287935"/>
+            <a:off x="8749848" y="2287935"/>
             <a:ext cx="476250" cy="312264"/>
           </a:xfrm>
           <a:prstGeom prst="line">
@@ -4878,7 +4878,7 @@
         </p:blipFill>
         <p:spPr>
           <a:xfrm>
-            <a:off x="9072716" y="1954912"/>
+            <a:off x="9148916" y="1954912"/>
             <a:ext cx="476250" cy="476250"/>
           </a:xfrm>
           <a:prstGeom prst="rect">
@@ -4914,7 +4914,7 @@
         </p:blipFill>
         <p:spPr>
           <a:xfrm>
-            <a:off x="7565015" y="4445252"/>
+            <a:off x="7841240" y="4445252"/>
             <a:ext cx="266700" cy="266700"/>
           </a:xfrm>
           <a:prstGeom prst="rect">
@@ -4938,7 +4938,7 @@
         </p:nvSpPr>
         <p:spPr>
           <a:xfrm>
-            <a:off x="4563197" y="2199995"/>
+            <a:off x="4925147" y="2199995"/>
             <a:ext cx="103124" cy="103124"/>
           </a:xfrm>
           <a:prstGeom prst="ellipse">
@@ -4996,7 +4996,7 @@
         </p:nvSpPr>
         <p:spPr>
           <a:xfrm>
-            <a:off x="4563197" y="2452549"/>
+            <a:off x="4925147" y="2452549"/>
             <a:ext cx="103124" cy="103124"/>
           </a:xfrm>
           <a:prstGeom prst="ellipse">
@@ -5054,7 +5054,7 @@
         </p:nvSpPr>
         <p:spPr>
           <a:xfrm>
-            <a:off x="4563197" y="2676819"/>
+            <a:off x="4925147" y="2676819"/>
             <a:ext cx="103124" cy="103124"/>
           </a:xfrm>
           <a:prstGeom prst="ellipse">
@@ -5112,7 +5112,7 @@
         </p:nvSpPr>
         <p:spPr>
           <a:xfrm>
-            <a:off x="4563197" y="2896072"/>
+            <a:off x="4925147" y="2896072"/>
             <a:ext cx="103124" cy="103124"/>
           </a:xfrm>
           <a:prstGeom prst="ellipse">
@@ -5170,7 +5170,7 @@
         </p:nvSpPr>
         <p:spPr>
           <a:xfrm>
-            <a:off x="7717044" y="2577144"/>
+            <a:off x="7793244" y="2577144"/>
             <a:ext cx="99675" cy="99675"/>
           </a:xfrm>
           <a:prstGeom prst="ellipse">
@@ -5209,6 +5209,71 @@
             <a:endParaRPr lang="en-US">
               <a:cs typeface="+mn-ea"/>
             </a:endParaRPr>
+          </a:p>
+        </p:txBody>
+      </p:sp>
+      <p:sp>
+        <p:nvSpPr>
+          <p:cNvPr id="29" name="文本框 28">
+            <a:extLst>
+              <a:ext uri="{FF2B5EF4-FFF2-40B4-BE49-F238E27FC236}">
+                <a16:creationId xmlns:a16="http://schemas.microsoft.com/office/drawing/2014/main" id="{F51746BB-3CFE-4AF4-8572-EA27F786FA40}"/>
+              </a:ext>
+            </a:extLst>
+          </p:cNvPr>
+          <p:cNvSpPr txBox="1"/>
+          <p:nvPr/>
+        </p:nvSpPr>
+        <p:spPr>
+          <a:xfrm>
+            <a:off x="8056005" y="4379372"/>
+            <a:ext cx="4663386" cy="1059264"/>
+          </a:xfrm>
+          <a:prstGeom prst="rect">
+            <a:avLst/>
+          </a:prstGeom>
+          <a:noFill/>
+        </p:spPr>
+        <p:txBody>
+          <a:bodyPr wrap="square" rtlCol="0">
+            <a:spAutoFit/>
+          </a:bodyPr>
+          <a:lstStyle/>
+          <a:p>
+            <a:pPr>
+              <a:lnSpc>
+                <a:spcPts val="2500"/>
+              </a:lnSpc>
+            </a:pPr>
+            <a:r>
+              <a:rPr lang="en-US" sz="1600">
+                <a:latin typeface="Leelawadee UI" panose="020B0502040204020203" pitchFamily="34" charset="-34"/>
+                <a:ea typeface="Microsoft JhengHei Light" panose="020B0304030504040204" pitchFamily="34" charset="-120"/>
+                <a:cs typeface="Leelawadee UI" panose="020B0502040204020203" pitchFamily="34" charset="-34"/>
+              </a:rPr>
+              <a:t>the BMI088 module</a:t>
+            </a:r>
+            <a:endParaRPr lang="en-US" sz="1200" dirty="0">
+              <a:solidFill>
+                <a:srgbClr val="D4D4D4"/>
+              </a:solidFill>
+              <a:latin typeface="Consolas" panose="020B0609020204030204" pitchFamily="49" charset="0"/>
+            </a:endParaRPr>
+          </a:p>
+          <a:p>
+            <a:endParaRPr lang="en-US" sz="1200" dirty="0">
+              <a:latin typeface="Times New Roman" panose="02020603050405020304" pitchFamily="18" charset="0"/>
+              <a:cs typeface="Times New Roman" panose="02020603050405020304" pitchFamily="18" charset="0"/>
+            </a:endParaRPr>
+          </a:p>
+          <a:p>
+            <a:endParaRPr lang="en-US" sz="1200" dirty="0">
+              <a:latin typeface="Times New Roman" panose="02020603050405020304" pitchFamily="18" charset="0"/>
+              <a:cs typeface="Times New Roman" panose="02020603050405020304" pitchFamily="18" charset="0"/>
+            </a:endParaRPr>
+          </a:p>
+          <a:p>
+            <a:endParaRPr lang="en-US" dirty="0"/>
           </a:p>
         </p:txBody>
       </p:sp>
@@ -5314,55 +5379,17 @@
                 <a:latin typeface="Arial Black" panose="020B0A04020102020204" pitchFamily="34" charset="0"/>
                 <a:ea typeface="微软雅黑" panose="020B0503020204020204" pitchFamily="34" charset="-122"/>
               </a:rPr>
-              <a:t>0 x 19</a:t>
-            </a:r>
-            <a:endParaRPr lang="zh-CN" altLang="en-US" sz="2400" b="1" dirty="0">
-              <a:solidFill>
-                <a:srgbClr val="A5A5A5"/>
-              </a:solidFill>
-              <a:latin typeface="Arial Black" panose="020B0A04020102020204" pitchFamily="34" charset="0"/>
-              <a:ea typeface="微软雅黑" panose="020B0503020204020204" pitchFamily="34" charset="-122"/>
-            </a:endParaRPr>
-          </a:p>
-        </p:txBody>
-      </p:sp>
-      <p:sp>
-        <p:nvSpPr>
-          <p:cNvPr id="66" name="文本框 65">
-            <a:extLst>
-              <a:ext uri="{FF2B5EF4-FFF2-40B4-BE49-F238E27FC236}">
-                <a16:creationId xmlns:a16="http://schemas.microsoft.com/office/drawing/2014/main" id="{60B5A170-3E9B-44FD-BD02-D36AF8615425}"/>
-              </a:ext>
-            </a:extLst>
-          </p:cNvPr>
-          <p:cNvSpPr txBox="1"/>
-          <p:nvPr/>
-        </p:nvSpPr>
-        <p:spPr>
-          <a:xfrm>
-            <a:off x="6701149" y="1387619"/>
-            <a:ext cx="1210588" cy="461665"/>
-          </a:xfrm>
-          <a:prstGeom prst="rect">
-            <a:avLst/>
-          </a:prstGeom>
-          <a:noFill/>
-        </p:spPr>
-        <p:txBody>
-          <a:bodyPr wrap="none" rtlCol="0">
-            <a:spAutoFit/>
-          </a:bodyPr>
-          <a:lstStyle/>
-          <a:p>
-            <a:r>
-              <a:rPr lang="en-US" altLang="zh-CN" sz="2400" b="1" dirty="0">
+              <a:t>0 </a:t>
+            </a:r>
+            <a:r>
+              <a:rPr lang="en-US" altLang="zh-CN" sz="2400" b="1">
                 <a:solidFill>
                   <a:srgbClr val="A5A5A5"/>
                 </a:solidFill>
                 <a:latin typeface="Arial Black" panose="020B0A04020102020204" pitchFamily="34" charset="0"/>
                 <a:ea typeface="微软雅黑" panose="020B0503020204020204" pitchFamily="34" charset="-122"/>
               </a:rPr>
-              <a:t>0 x 19</a:t>
+              <a:t>x 18</a:t>
             </a:r>
             <a:endParaRPr lang="zh-CN" altLang="en-US" sz="2400" b="1" dirty="0">
               <a:solidFill>
@@ -5468,243 +5495,171 @@
           </a:fontRef>
         </p:style>
       </p:cxnSp>
-      <p:grpSp>
-        <p:nvGrpSpPr>
-          <p:cNvPr id="19" name="组合 18">
-            <a:extLst>
-              <a:ext uri="{FF2B5EF4-FFF2-40B4-BE49-F238E27FC236}">
-                <a16:creationId xmlns:a16="http://schemas.microsoft.com/office/drawing/2014/main" id="{5C0C0B58-9C8B-4A3E-93A5-AA64662CE416}"/>
-              </a:ext>
-            </a:extLst>
-          </p:cNvPr>
-          <p:cNvGrpSpPr/>
+      <p:sp>
+        <p:nvSpPr>
+          <p:cNvPr id="69" name="矩形 68">
+            <a:extLst>
+              <a:ext uri="{FF2B5EF4-FFF2-40B4-BE49-F238E27FC236}">
+                <a16:creationId xmlns:a16="http://schemas.microsoft.com/office/drawing/2014/main" id="{23B97289-1A30-490B-B6E5-87BCBC0D9F04}"/>
+              </a:ext>
+            </a:extLst>
+          </p:cNvPr>
+          <p:cNvSpPr>
+            <a:spLocks noChangeAspect="1"/>
+          </p:cNvSpPr>
           <p:nvPr/>
-        </p:nvGrpSpPr>
-        <p:grpSpPr>
-          <a:xfrm>
-            <a:off x="4988822" y="4855728"/>
-            <a:ext cx="1564378" cy="476089"/>
-            <a:chOff x="4988822" y="4855728"/>
-            <a:chExt cx="1564378" cy="476089"/>
-          </a:xfrm>
-        </p:grpSpPr>
-        <p:sp>
-          <p:nvSpPr>
-            <p:cNvPr id="69" name="矩形 68">
-              <a:extLst>
-                <a:ext uri="{FF2B5EF4-FFF2-40B4-BE49-F238E27FC236}">
-                  <a16:creationId xmlns:a16="http://schemas.microsoft.com/office/drawing/2014/main" id="{23B97289-1A30-490B-B6E5-87BCBC0D9F04}"/>
-                </a:ext>
-              </a:extLst>
-            </p:cNvPr>
-            <p:cNvSpPr>
-              <a:spLocks noChangeAspect="1"/>
-            </p:cNvSpPr>
-            <p:nvPr/>
-          </p:nvSpPr>
-          <p:spPr>
-            <a:xfrm rot="16200000">
-              <a:off x="4958919" y="4885634"/>
-              <a:ext cx="476086" cy="416280"/>
-            </a:xfrm>
-            <a:prstGeom prst="rect">
-              <a:avLst/>
-            </a:prstGeom>
-            <a:ln>
-              <a:noFill/>
-            </a:ln>
-          </p:spPr>
-          <p:style>
-            <a:lnRef idx="2">
-              <a:schemeClr val="accent3">
-                <a:shade val="50000"/>
-              </a:schemeClr>
-            </a:lnRef>
-            <a:fillRef idx="1">
-              <a:schemeClr val="accent3"/>
-            </a:fillRef>
-            <a:effectRef idx="0">
-              <a:schemeClr val="accent3"/>
-            </a:effectRef>
-            <a:fontRef idx="minor">
-              <a:schemeClr val="lt1"/>
-            </a:fontRef>
-          </p:style>
-          <p:txBody>
-            <a:bodyPr rtlCol="0" anchor="ctr"/>
-            <a:lstStyle/>
-            <a:p>
-              <a:pPr algn="ctr"/>
-              <a:endParaRPr lang="en-US">
-                <a:cs typeface="+mn-ea"/>
-                <a:sym typeface="+mn-lt"/>
-              </a:endParaRPr>
-            </a:p>
-          </p:txBody>
-        </p:sp>
-        <p:sp>
-          <p:nvSpPr>
-            <p:cNvPr id="36" name="矩形 35">
-              <a:extLst>
-                <a:ext uri="{FF2B5EF4-FFF2-40B4-BE49-F238E27FC236}">
-                  <a16:creationId xmlns:a16="http://schemas.microsoft.com/office/drawing/2014/main" id="{CAA92B3E-DD2E-4AF5-B928-649597E429D0}"/>
-                </a:ext>
-              </a:extLst>
-            </p:cNvPr>
-            <p:cNvSpPr>
-              <a:spLocks noChangeAspect="1"/>
-            </p:cNvSpPr>
-            <p:nvPr/>
-          </p:nvSpPr>
-          <p:spPr>
-            <a:xfrm rot="16200000">
-              <a:off x="5532968" y="4885632"/>
-              <a:ext cx="476086" cy="416280"/>
-            </a:xfrm>
-            <a:prstGeom prst="rect">
-              <a:avLst/>
-            </a:prstGeom>
-            <a:ln>
-              <a:noFill/>
-            </a:ln>
-          </p:spPr>
-          <p:style>
-            <a:lnRef idx="2">
-              <a:schemeClr val="accent3">
-                <a:shade val="50000"/>
-              </a:schemeClr>
-            </a:lnRef>
-            <a:fillRef idx="1">
-              <a:schemeClr val="accent3"/>
-            </a:fillRef>
-            <a:effectRef idx="0">
-              <a:schemeClr val="accent3"/>
-            </a:effectRef>
-            <a:fontRef idx="minor">
-              <a:schemeClr val="lt1"/>
-            </a:fontRef>
-          </p:style>
-          <p:txBody>
-            <a:bodyPr rtlCol="0" anchor="ctr"/>
-            <a:lstStyle/>
-            <a:p>
-              <a:pPr algn="ctr"/>
-              <a:endParaRPr lang="en-US">
-                <a:cs typeface="+mn-ea"/>
-                <a:sym typeface="+mn-lt"/>
-              </a:endParaRPr>
-            </a:p>
-          </p:txBody>
-        </p:sp>
-        <p:sp>
-          <p:nvSpPr>
-            <p:cNvPr id="37" name="矩形 36">
-              <a:extLst>
-                <a:ext uri="{FF2B5EF4-FFF2-40B4-BE49-F238E27FC236}">
-                  <a16:creationId xmlns:a16="http://schemas.microsoft.com/office/drawing/2014/main" id="{5DE99795-EC6D-4391-BB35-63E0E45433F8}"/>
-                </a:ext>
-              </a:extLst>
-            </p:cNvPr>
-            <p:cNvSpPr>
-              <a:spLocks noChangeAspect="1"/>
-            </p:cNvSpPr>
-            <p:nvPr/>
-          </p:nvSpPr>
-          <p:spPr>
-            <a:xfrm rot="16200000">
-              <a:off x="6107017" y="4885631"/>
-              <a:ext cx="476086" cy="416280"/>
-            </a:xfrm>
-            <a:prstGeom prst="rect">
-              <a:avLst/>
-            </a:prstGeom>
-            <a:ln>
-              <a:noFill/>
-            </a:ln>
-          </p:spPr>
-          <p:style>
-            <a:lnRef idx="2">
-              <a:schemeClr val="accent3">
-                <a:shade val="50000"/>
-              </a:schemeClr>
-            </a:lnRef>
-            <a:fillRef idx="1">
-              <a:schemeClr val="accent3"/>
-            </a:fillRef>
-            <a:effectRef idx="0">
-              <a:schemeClr val="accent3"/>
-            </a:effectRef>
-            <a:fontRef idx="minor">
-              <a:schemeClr val="lt1"/>
-            </a:fontRef>
-          </p:style>
-          <p:txBody>
-            <a:bodyPr rtlCol="0" anchor="ctr"/>
-            <a:lstStyle/>
-            <a:p>
-              <a:pPr algn="ctr"/>
-              <a:endParaRPr lang="en-US">
-                <a:cs typeface="+mn-ea"/>
-                <a:sym typeface="+mn-lt"/>
-              </a:endParaRPr>
-            </a:p>
-          </p:txBody>
-        </p:sp>
-        <p:sp>
-          <p:nvSpPr>
-            <p:cNvPr id="38" name="矩形 37">
-              <a:extLst>
-                <a:ext uri="{FF2B5EF4-FFF2-40B4-BE49-F238E27FC236}">
-                  <a16:creationId xmlns:a16="http://schemas.microsoft.com/office/drawing/2014/main" id="{6AAAD1C4-A7B3-4B78-8B30-D6D769728083}"/>
-                </a:ext>
-              </a:extLst>
-            </p:cNvPr>
-            <p:cNvSpPr>
-              <a:spLocks noChangeAspect="1"/>
-            </p:cNvSpPr>
-            <p:nvPr/>
-          </p:nvSpPr>
-          <p:spPr>
-            <a:xfrm rot="16200000">
-              <a:off x="5906126" y="4968498"/>
-              <a:ext cx="286548" cy="250552"/>
-            </a:xfrm>
-            <a:prstGeom prst="rect">
-              <a:avLst/>
-            </a:prstGeom>
-            <a:ln>
-              <a:noFill/>
-            </a:ln>
-          </p:spPr>
-          <p:style>
-            <a:lnRef idx="2">
-              <a:schemeClr val="accent3">
-                <a:shade val="50000"/>
-              </a:schemeClr>
-            </a:lnRef>
-            <a:fillRef idx="1">
-              <a:schemeClr val="accent3"/>
-            </a:fillRef>
-            <a:effectRef idx="0">
-              <a:schemeClr val="accent3"/>
-            </a:effectRef>
-            <a:fontRef idx="minor">
-              <a:schemeClr val="lt1"/>
-            </a:fontRef>
-          </p:style>
-          <p:txBody>
-            <a:bodyPr rtlCol="0" anchor="ctr"/>
-            <a:lstStyle/>
-            <a:p>
-              <a:pPr algn="ctr"/>
-              <a:endParaRPr lang="en-US">
-                <a:cs typeface="+mn-ea"/>
-                <a:sym typeface="+mn-lt"/>
-              </a:endParaRPr>
-            </a:p>
-          </p:txBody>
-        </p:sp>
-      </p:grpSp>
+        </p:nvSpPr>
+        <p:spPr>
+          <a:xfrm rot="16200000">
+            <a:off x="4958919" y="4885634"/>
+            <a:ext cx="476086" cy="416280"/>
+          </a:xfrm>
+          <a:prstGeom prst="rect">
+            <a:avLst/>
+          </a:prstGeom>
+          <a:solidFill>
+            <a:schemeClr val="tx1"/>
+          </a:solidFill>
+          <a:ln>
+            <a:noFill/>
+          </a:ln>
+        </p:spPr>
+        <p:style>
+          <a:lnRef idx="2">
+            <a:schemeClr val="accent3">
+              <a:shade val="50000"/>
+            </a:schemeClr>
+          </a:lnRef>
+          <a:fillRef idx="1">
+            <a:schemeClr val="accent3"/>
+          </a:fillRef>
+          <a:effectRef idx="0">
+            <a:schemeClr val="accent3"/>
+          </a:effectRef>
+          <a:fontRef idx="minor">
+            <a:schemeClr val="lt1"/>
+          </a:fontRef>
+        </p:style>
+        <p:txBody>
+          <a:bodyPr rtlCol="0" anchor="ctr"/>
+          <a:lstStyle/>
+          <a:p>
+            <a:pPr algn="ctr"/>
+            <a:endParaRPr lang="en-US">
+              <a:cs typeface="+mn-ea"/>
+              <a:sym typeface="+mn-lt"/>
+            </a:endParaRPr>
+          </a:p>
+        </p:txBody>
+      </p:sp>
+      <p:sp>
+        <p:nvSpPr>
+          <p:cNvPr id="36" name="矩形 35">
+            <a:extLst>
+              <a:ext uri="{FF2B5EF4-FFF2-40B4-BE49-F238E27FC236}">
+                <a16:creationId xmlns:a16="http://schemas.microsoft.com/office/drawing/2014/main" id="{CAA92B3E-DD2E-4AF5-B928-649597E429D0}"/>
+              </a:ext>
+            </a:extLst>
+          </p:cNvPr>
+          <p:cNvSpPr>
+            <a:spLocks noChangeAspect="1"/>
+          </p:cNvSpPr>
+          <p:nvPr/>
+        </p:nvSpPr>
+        <p:spPr>
+          <a:xfrm rot="16200000">
+            <a:off x="5532968" y="4885632"/>
+            <a:ext cx="476086" cy="416280"/>
+          </a:xfrm>
+          <a:prstGeom prst="rect">
+            <a:avLst/>
+          </a:prstGeom>
+          <a:ln>
+            <a:noFill/>
+          </a:ln>
+        </p:spPr>
+        <p:style>
+          <a:lnRef idx="2">
+            <a:schemeClr val="accent3">
+              <a:shade val="50000"/>
+            </a:schemeClr>
+          </a:lnRef>
+          <a:fillRef idx="1">
+            <a:schemeClr val="accent3"/>
+          </a:fillRef>
+          <a:effectRef idx="0">
+            <a:schemeClr val="accent3"/>
+          </a:effectRef>
+          <a:fontRef idx="minor">
+            <a:schemeClr val="lt1"/>
+          </a:fontRef>
+        </p:style>
+        <p:txBody>
+          <a:bodyPr rtlCol="0" anchor="ctr"/>
+          <a:lstStyle/>
+          <a:p>
+            <a:pPr algn="ctr"/>
+            <a:endParaRPr lang="en-US">
+              <a:cs typeface="+mn-ea"/>
+              <a:sym typeface="+mn-lt"/>
+            </a:endParaRPr>
+          </a:p>
+        </p:txBody>
+      </p:sp>
+      <p:sp>
+        <p:nvSpPr>
+          <p:cNvPr id="38" name="矩形 37">
+            <a:extLst>
+              <a:ext uri="{FF2B5EF4-FFF2-40B4-BE49-F238E27FC236}">
+                <a16:creationId xmlns:a16="http://schemas.microsoft.com/office/drawing/2014/main" id="{6AAAD1C4-A7B3-4B78-8B30-D6D769728083}"/>
+              </a:ext>
+            </a:extLst>
+          </p:cNvPr>
+          <p:cNvSpPr>
+            <a:spLocks noChangeAspect="1"/>
+          </p:cNvSpPr>
+          <p:nvPr/>
+        </p:nvSpPr>
+        <p:spPr>
+          <a:xfrm rot="16200000">
+            <a:off x="5906126" y="4968498"/>
+            <a:ext cx="286548" cy="250552"/>
+          </a:xfrm>
+          <a:prstGeom prst="rect">
+            <a:avLst/>
+          </a:prstGeom>
+          <a:ln>
+            <a:noFill/>
+          </a:ln>
+        </p:spPr>
+        <p:style>
+          <a:lnRef idx="2">
+            <a:schemeClr val="accent3">
+              <a:shade val="50000"/>
+            </a:schemeClr>
+          </a:lnRef>
+          <a:fillRef idx="1">
+            <a:schemeClr val="accent3"/>
+          </a:fillRef>
+          <a:effectRef idx="0">
+            <a:schemeClr val="accent3"/>
+          </a:effectRef>
+          <a:fontRef idx="minor">
+            <a:schemeClr val="lt1"/>
+          </a:fontRef>
+        </p:style>
+        <p:txBody>
+          <a:bodyPr rtlCol="0" anchor="ctr"/>
+          <a:lstStyle/>
+          <a:p>
+            <a:pPr algn="ctr"/>
+            <a:endParaRPr lang="en-US">
+              <a:cs typeface="+mn-ea"/>
+              <a:sym typeface="+mn-lt"/>
+            </a:endParaRPr>
+          </a:p>
+        </p:txBody>
+      </p:sp>
       <p:cxnSp>
         <p:nvCxnSpPr>
           <p:cNvPr id="52" name="直接连接符 51">
@@ -5843,717 +5798,1040 @@
           </a:fontRef>
         </p:style>
       </p:cxnSp>
-      <p:grpSp>
-        <p:nvGrpSpPr>
-          <p:cNvPr id="18" name="组合 17">
-            <a:extLst>
-              <a:ext uri="{FF2B5EF4-FFF2-40B4-BE49-F238E27FC236}">
-                <a16:creationId xmlns:a16="http://schemas.microsoft.com/office/drawing/2014/main" id="{A54B5ABB-9056-4900-A2AF-3AC8F0BFBCCB}"/>
-              </a:ext>
-            </a:extLst>
-          </p:cNvPr>
-          <p:cNvGrpSpPr/>
+      <p:sp>
+        <p:nvSpPr>
+          <p:cNvPr id="90" name="矩形 89">
+            <a:extLst>
+              <a:ext uri="{FF2B5EF4-FFF2-40B4-BE49-F238E27FC236}">
+                <a16:creationId xmlns:a16="http://schemas.microsoft.com/office/drawing/2014/main" id="{6F945135-F2D3-4630-86DB-47601EC830F7}"/>
+              </a:ext>
+            </a:extLst>
+          </p:cNvPr>
+          <p:cNvSpPr>
+            <a:spLocks noChangeAspect="1"/>
+          </p:cNvSpPr>
           <p:nvPr/>
-        </p:nvGrpSpPr>
-        <p:grpSpPr>
-          <a:xfrm flipH="1">
-            <a:off x="4988822" y="5521663"/>
-            <a:ext cx="1564378" cy="476089"/>
-            <a:chOff x="4988822" y="5617866"/>
-            <a:chExt cx="1564378" cy="476089"/>
-          </a:xfrm>
-        </p:grpSpPr>
-        <p:sp>
-          <p:nvSpPr>
-            <p:cNvPr id="90" name="矩形 89">
-              <a:extLst>
-                <a:ext uri="{FF2B5EF4-FFF2-40B4-BE49-F238E27FC236}">
-                  <a16:creationId xmlns:a16="http://schemas.microsoft.com/office/drawing/2014/main" id="{6F945135-F2D3-4630-86DB-47601EC830F7}"/>
-                </a:ext>
-              </a:extLst>
-            </p:cNvPr>
-            <p:cNvSpPr>
-              <a:spLocks noChangeAspect="1"/>
-            </p:cNvSpPr>
-            <p:nvPr/>
-          </p:nvSpPr>
-          <p:spPr>
-            <a:xfrm rot="16200000">
-              <a:off x="4958919" y="5647772"/>
-              <a:ext cx="476086" cy="416280"/>
-            </a:xfrm>
-            <a:prstGeom prst="rect">
-              <a:avLst/>
-            </a:prstGeom>
-            <a:ln>
-              <a:noFill/>
-            </a:ln>
-          </p:spPr>
-          <p:style>
-            <a:lnRef idx="2">
-              <a:schemeClr val="accent3">
-                <a:shade val="50000"/>
-              </a:schemeClr>
-            </a:lnRef>
-            <a:fillRef idx="1">
-              <a:schemeClr val="accent3"/>
-            </a:fillRef>
-            <a:effectRef idx="0">
-              <a:schemeClr val="accent3"/>
-            </a:effectRef>
-            <a:fontRef idx="minor">
-              <a:schemeClr val="lt1"/>
-            </a:fontRef>
-          </p:style>
-          <p:txBody>
-            <a:bodyPr rtlCol="0" anchor="ctr"/>
-            <a:lstStyle/>
-            <a:p>
-              <a:pPr algn="ctr"/>
-              <a:endParaRPr lang="en-US">
-                <a:cs typeface="+mn-ea"/>
-                <a:sym typeface="+mn-lt"/>
-              </a:endParaRPr>
-            </a:p>
-          </p:txBody>
-        </p:sp>
-        <p:sp>
-          <p:nvSpPr>
-            <p:cNvPr id="91" name="矩形 90">
-              <a:extLst>
-                <a:ext uri="{FF2B5EF4-FFF2-40B4-BE49-F238E27FC236}">
-                  <a16:creationId xmlns:a16="http://schemas.microsoft.com/office/drawing/2014/main" id="{0D9D27B3-40B3-4129-BEC3-34568257D496}"/>
-                </a:ext>
-              </a:extLst>
-            </p:cNvPr>
-            <p:cNvSpPr>
-              <a:spLocks noChangeAspect="1"/>
-            </p:cNvSpPr>
-            <p:nvPr/>
-          </p:nvSpPr>
-          <p:spPr>
-            <a:xfrm rot="16200000">
-              <a:off x="5532968" y="5647770"/>
-              <a:ext cx="476086" cy="416280"/>
-            </a:xfrm>
-            <a:prstGeom prst="rect">
-              <a:avLst/>
-            </a:prstGeom>
-            <a:ln>
-              <a:noFill/>
-            </a:ln>
-          </p:spPr>
-          <p:style>
-            <a:lnRef idx="2">
-              <a:schemeClr val="accent3">
-                <a:shade val="50000"/>
-              </a:schemeClr>
-            </a:lnRef>
-            <a:fillRef idx="1">
-              <a:schemeClr val="accent3"/>
-            </a:fillRef>
-            <a:effectRef idx="0">
-              <a:schemeClr val="accent3"/>
-            </a:effectRef>
-            <a:fontRef idx="minor">
-              <a:schemeClr val="lt1"/>
-            </a:fontRef>
-          </p:style>
-          <p:txBody>
-            <a:bodyPr rtlCol="0" anchor="ctr"/>
-            <a:lstStyle/>
-            <a:p>
-              <a:pPr algn="ctr"/>
-              <a:endParaRPr lang="en-US">
-                <a:cs typeface="+mn-ea"/>
-                <a:sym typeface="+mn-lt"/>
-              </a:endParaRPr>
-            </a:p>
-          </p:txBody>
-        </p:sp>
-        <p:sp>
-          <p:nvSpPr>
-            <p:cNvPr id="92" name="矩形 91">
-              <a:extLst>
-                <a:ext uri="{FF2B5EF4-FFF2-40B4-BE49-F238E27FC236}">
-                  <a16:creationId xmlns:a16="http://schemas.microsoft.com/office/drawing/2014/main" id="{3632C50F-B1D5-42D0-8DD4-1F13127627CE}"/>
-                </a:ext>
-              </a:extLst>
-            </p:cNvPr>
-            <p:cNvSpPr>
-              <a:spLocks noChangeAspect="1"/>
-            </p:cNvSpPr>
-            <p:nvPr/>
-          </p:nvSpPr>
-          <p:spPr>
-            <a:xfrm rot="16200000">
-              <a:off x="6107017" y="5647769"/>
-              <a:ext cx="476086" cy="416280"/>
-            </a:xfrm>
-            <a:prstGeom prst="rect">
-              <a:avLst/>
-            </a:prstGeom>
-            <a:ln>
-              <a:noFill/>
-            </a:ln>
-          </p:spPr>
-          <p:style>
-            <a:lnRef idx="2">
-              <a:schemeClr val="accent3">
-                <a:shade val="50000"/>
-              </a:schemeClr>
-            </a:lnRef>
-            <a:fillRef idx="1">
-              <a:schemeClr val="accent3"/>
-            </a:fillRef>
-            <a:effectRef idx="0">
-              <a:schemeClr val="accent3"/>
-            </a:effectRef>
-            <a:fontRef idx="minor">
-              <a:schemeClr val="lt1"/>
-            </a:fontRef>
-          </p:style>
-          <p:txBody>
-            <a:bodyPr rtlCol="0" anchor="ctr"/>
-            <a:lstStyle/>
-            <a:p>
-              <a:pPr algn="ctr"/>
-              <a:endParaRPr lang="en-US">
-                <a:cs typeface="+mn-ea"/>
-                <a:sym typeface="+mn-lt"/>
-              </a:endParaRPr>
-            </a:p>
-          </p:txBody>
-        </p:sp>
-        <p:sp>
-          <p:nvSpPr>
-            <p:cNvPr id="93" name="矩形 92">
-              <a:extLst>
-                <a:ext uri="{FF2B5EF4-FFF2-40B4-BE49-F238E27FC236}">
-                  <a16:creationId xmlns:a16="http://schemas.microsoft.com/office/drawing/2014/main" id="{C388490F-66A3-4189-B075-6CDAB744C6FE}"/>
-                </a:ext>
-              </a:extLst>
-            </p:cNvPr>
-            <p:cNvSpPr>
-              <a:spLocks noChangeAspect="1"/>
-            </p:cNvSpPr>
-            <p:nvPr/>
-          </p:nvSpPr>
-          <p:spPr>
-            <a:xfrm rot="16200000">
-              <a:off x="5906126" y="5730636"/>
-              <a:ext cx="286548" cy="250552"/>
-            </a:xfrm>
-            <a:prstGeom prst="rect">
-              <a:avLst/>
-            </a:prstGeom>
-            <a:ln>
-              <a:noFill/>
-            </a:ln>
-          </p:spPr>
-          <p:style>
-            <a:lnRef idx="2">
-              <a:schemeClr val="accent3">
-                <a:shade val="50000"/>
-              </a:schemeClr>
-            </a:lnRef>
-            <a:fillRef idx="1">
-              <a:schemeClr val="accent3"/>
-            </a:fillRef>
-            <a:effectRef idx="0">
-              <a:schemeClr val="accent3"/>
-            </a:effectRef>
-            <a:fontRef idx="minor">
-              <a:schemeClr val="lt1"/>
-            </a:fontRef>
-          </p:style>
-          <p:txBody>
-            <a:bodyPr rtlCol="0" anchor="ctr"/>
-            <a:lstStyle/>
-            <a:p>
-              <a:pPr algn="ctr"/>
-              <a:endParaRPr lang="en-US">
-                <a:cs typeface="+mn-ea"/>
-                <a:sym typeface="+mn-lt"/>
-              </a:endParaRPr>
-            </a:p>
-          </p:txBody>
-        </p:sp>
-      </p:grpSp>
-      <p:grpSp>
-        <p:nvGrpSpPr>
-          <p:cNvPr id="94" name="组合 93">
-            <a:extLst>
-              <a:ext uri="{FF2B5EF4-FFF2-40B4-BE49-F238E27FC236}">
-                <a16:creationId xmlns:a16="http://schemas.microsoft.com/office/drawing/2014/main" id="{139199D2-A93A-4B77-B74B-518466DC2E87}"/>
-              </a:ext>
-            </a:extLst>
-          </p:cNvPr>
-          <p:cNvGrpSpPr/>
+        </p:nvSpPr>
+        <p:spPr>
+          <a:xfrm rot="5400000" flipH="1">
+            <a:off x="6107017" y="5551569"/>
+            <a:ext cx="476086" cy="416280"/>
+          </a:xfrm>
+          <a:prstGeom prst="rect">
+            <a:avLst/>
+          </a:prstGeom>
+          <a:solidFill>
+            <a:srgbClr val="C00000"/>
+          </a:solidFill>
+          <a:ln>
+            <a:noFill/>
+          </a:ln>
+        </p:spPr>
+        <p:style>
+          <a:lnRef idx="2">
+            <a:schemeClr val="accent3">
+              <a:shade val="50000"/>
+            </a:schemeClr>
+          </a:lnRef>
+          <a:fillRef idx="1">
+            <a:schemeClr val="accent3"/>
+          </a:fillRef>
+          <a:effectRef idx="0">
+            <a:schemeClr val="accent3"/>
+          </a:effectRef>
+          <a:fontRef idx="minor">
+            <a:schemeClr val="lt1"/>
+          </a:fontRef>
+        </p:style>
+        <p:txBody>
+          <a:bodyPr rtlCol="0" anchor="ctr"/>
+          <a:lstStyle/>
+          <a:p>
+            <a:pPr algn="ctr"/>
+            <a:endParaRPr lang="en-US">
+              <a:cs typeface="+mn-ea"/>
+              <a:sym typeface="+mn-lt"/>
+            </a:endParaRPr>
+          </a:p>
+        </p:txBody>
+      </p:sp>
+      <p:sp>
+        <p:nvSpPr>
+          <p:cNvPr id="91" name="矩形 90">
+            <a:extLst>
+              <a:ext uri="{FF2B5EF4-FFF2-40B4-BE49-F238E27FC236}">
+                <a16:creationId xmlns:a16="http://schemas.microsoft.com/office/drawing/2014/main" id="{0D9D27B3-40B3-4129-BEC3-34568257D496}"/>
+              </a:ext>
+            </a:extLst>
+          </p:cNvPr>
+          <p:cNvSpPr>
+            <a:spLocks noChangeAspect="1"/>
+          </p:cNvSpPr>
           <p:nvPr/>
-        </p:nvGrpSpPr>
-        <p:grpSpPr>
+        </p:nvSpPr>
+        <p:spPr>
+          <a:xfrm rot="5400000" flipH="1">
+            <a:off x="5532968" y="5551567"/>
+            <a:ext cx="476086" cy="416280"/>
+          </a:xfrm>
+          <a:prstGeom prst="rect">
+            <a:avLst/>
+          </a:prstGeom>
+          <a:ln>
+            <a:noFill/>
+          </a:ln>
+        </p:spPr>
+        <p:style>
+          <a:lnRef idx="2">
+            <a:schemeClr val="accent3">
+              <a:shade val="50000"/>
+            </a:schemeClr>
+          </a:lnRef>
+          <a:fillRef idx="1">
+            <a:schemeClr val="accent3"/>
+          </a:fillRef>
+          <a:effectRef idx="0">
+            <a:schemeClr val="accent3"/>
+          </a:effectRef>
+          <a:fontRef idx="minor">
+            <a:schemeClr val="lt1"/>
+          </a:fontRef>
+        </p:style>
+        <p:txBody>
+          <a:bodyPr rtlCol="0" anchor="ctr"/>
+          <a:lstStyle/>
+          <a:p>
+            <a:pPr algn="ctr"/>
+            <a:endParaRPr lang="en-US">
+              <a:cs typeface="+mn-ea"/>
+              <a:sym typeface="+mn-lt"/>
+            </a:endParaRPr>
+          </a:p>
+        </p:txBody>
+      </p:sp>
+      <p:sp>
+        <p:nvSpPr>
+          <p:cNvPr id="93" name="矩形 92">
+            <a:extLst>
+              <a:ext uri="{FF2B5EF4-FFF2-40B4-BE49-F238E27FC236}">
+                <a16:creationId xmlns:a16="http://schemas.microsoft.com/office/drawing/2014/main" id="{C388490F-66A3-4189-B075-6CDAB744C6FE}"/>
+              </a:ext>
+            </a:extLst>
+          </p:cNvPr>
+          <p:cNvSpPr>
+            <a:spLocks noChangeAspect="1"/>
+          </p:cNvSpPr>
+          <p:nvPr/>
+        </p:nvSpPr>
+        <p:spPr>
+          <a:xfrm rot="5400000" flipH="1">
+            <a:off x="5349348" y="5634433"/>
+            <a:ext cx="286548" cy="250552"/>
+          </a:xfrm>
+          <a:prstGeom prst="rect">
+            <a:avLst/>
+          </a:prstGeom>
+          <a:ln>
+            <a:noFill/>
+          </a:ln>
+        </p:spPr>
+        <p:style>
+          <a:lnRef idx="2">
+            <a:schemeClr val="accent3">
+              <a:shade val="50000"/>
+            </a:schemeClr>
+          </a:lnRef>
+          <a:fillRef idx="1">
+            <a:schemeClr val="accent3"/>
+          </a:fillRef>
+          <a:effectRef idx="0">
+            <a:schemeClr val="accent3"/>
+          </a:effectRef>
+          <a:fontRef idx="minor">
+            <a:schemeClr val="lt1"/>
+          </a:fontRef>
+        </p:style>
+        <p:txBody>
+          <a:bodyPr rtlCol="0" anchor="ctr"/>
+          <a:lstStyle/>
+          <a:p>
+            <a:pPr algn="ctr"/>
+            <a:endParaRPr lang="en-US">
+              <a:cs typeface="+mn-ea"/>
+              <a:sym typeface="+mn-lt"/>
+            </a:endParaRPr>
+          </a:p>
+        </p:txBody>
+      </p:sp>
+      <p:sp>
+        <p:nvSpPr>
+          <p:cNvPr id="95" name="矩形 94">
+            <a:extLst>
+              <a:ext uri="{FF2B5EF4-FFF2-40B4-BE49-F238E27FC236}">
+                <a16:creationId xmlns:a16="http://schemas.microsoft.com/office/drawing/2014/main" id="{91610901-4AD5-469C-AD73-DB1654B45325}"/>
+              </a:ext>
+            </a:extLst>
+          </p:cNvPr>
+          <p:cNvSpPr>
+            <a:spLocks noChangeAspect="1"/>
+          </p:cNvSpPr>
+          <p:nvPr/>
+        </p:nvSpPr>
+        <p:spPr>
+          <a:xfrm rot="16200000">
+            <a:off x="4924669" y="714026"/>
+            <a:ext cx="476086" cy="416280"/>
+          </a:xfrm>
+          <a:prstGeom prst="rect">
+            <a:avLst/>
+          </a:prstGeom>
+          <a:solidFill>
+            <a:srgbClr val="C00000"/>
+          </a:solidFill>
+          <a:ln>
+            <a:noFill/>
+          </a:ln>
+        </p:spPr>
+        <p:style>
+          <a:lnRef idx="2">
+            <a:schemeClr val="accent3">
+              <a:shade val="50000"/>
+            </a:schemeClr>
+          </a:lnRef>
+          <a:fillRef idx="1">
+            <a:schemeClr val="accent3"/>
+          </a:fillRef>
+          <a:effectRef idx="0">
+            <a:schemeClr val="accent3"/>
+          </a:effectRef>
+          <a:fontRef idx="minor">
+            <a:schemeClr val="lt1"/>
+          </a:fontRef>
+        </p:style>
+        <p:txBody>
+          <a:bodyPr rtlCol="0" anchor="ctr"/>
+          <a:lstStyle/>
+          <a:p>
+            <a:pPr algn="ctr"/>
+            <a:endParaRPr lang="en-US">
+              <a:cs typeface="+mn-ea"/>
+              <a:sym typeface="+mn-lt"/>
+            </a:endParaRPr>
+          </a:p>
+        </p:txBody>
+      </p:sp>
+      <p:sp>
+        <p:nvSpPr>
+          <p:cNvPr id="96" name="矩形 95">
+            <a:extLst>
+              <a:ext uri="{FF2B5EF4-FFF2-40B4-BE49-F238E27FC236}">
+                <a16:creationId xmlns:a16="http://schemas.microsoft.com/office/drawing/2014/main" id="{558DC062-EE16-4B5B-B827-918737097B36}"/>
+              </a:ext>
+            </a:extLst>
+          </p:cNvPr>
+          <p:cNvSpPr>
+            <a:spLocks noChangeAspect="1"/>
+          </p:cNvSpPr>
+          <p:nvPr/>
+        </p:nvSpPr>
+        <p:spPr>
+          <a:xfrm rot="16200000">
+            <a:off x="5498718" y="714024"/>
+            <a:ext cx="476086" cy="416280"/>
+          </a:xfrm>
+          <a:prstGeom prst="rect">
+            <a:avLst/>
+          </a:prstGeom>
+          <a:ln>
+            <a:noFill/>
+          </a:ln>
+        </p:spPr>
+        <p:style>
+          <a:lnRef idx="2">
+            <a:schemeClr val="accent3">
+              <a:shade val="50000"/>
+            </a:schemeClr>
+          </a:lnRef>
+          <a:fillRef idx="1">
+            <a:schemeClr val="accent3"/>
+          </a:fillRef>
+          <a:effectRef idx="0">
+            <a:schemeClr val="accent3"/>
+          </a:effectRef>
+          <a:fontRef idx="minor">
+            <a:schemeClr val="lt1"/>
+          </a:fontRef>
+        </p:style>
+        <p:txBody>
+          <a:bodyPr rtlCol="0" anchor="ctr"/>
+          <a:lstStyle/>
+          <a:p>
+            <a:pPr algn="ctr"/>
+            <a:endParaRPr lang="en-US">
+              <a:cs typeface="+mn-ea"/>
+              <a:sym typeface="+mn-lt"/>
+            </a:endParaRPr>
+          </a:p>
+        </p:txBody>
+      </p:sp>
+      <p:sp>
+        <p:nvSpPr>
+          <p:cNvPr id="98" name="矩形 97">
+            <a:extLst>
+              <a:ext uri="{FF2B5EF4-FFF2-40B4-BE49-F238E27FC236}">
+                <a16:creationId xmlns:a16="http://schemas.microsoft.com/office/drawing/2014/main" id="{D4F7756E-9C2D-487A-96BF-79E5274096F4}"/>
+              </a:ext>
+            </a:extLst>
+          </p:cNvPr>
+          <p:cNvSpPr>
+            <a:spLocks noChangeAspect="1"/>
+          </p:cNvSpPr>
+          <p:nvPr/>
+        </p:nvSpPr>
+        <p:spPr>
+          <a:xfrm rot="16200000">
+            <a:off x="5871876" y="796890"/>
+            <a:ext cx="286548" cy="250552"/>
+          </a:xfrm>
+          <a:prstGeom prst="rect">
+            <a:avLst/>
+          </a:prstGeom>
+          <a:ln>
+            <a:noFill/>
+          </a:ln>
+        </p:spPr>
+        <p:style>
+          <a:lnRef idx="2">
+            <a:schemeClr val="accent3">
+              <a:shade val="50000"/>
+            </a:schemeClr>
+          </a:lnRef>
+          <a:fillRef idx="1">
+            <a:schemeClr val="accent3"/>
+          </a:fillRef>
+          <a:effectRef idx="0">
+            <a:schemeClr val="accent3"/>
+          </a:effectRef>
+          <a:fontRef idx="minor">
+            <a:schemeClr val="lt1"/>
+          </a:fontRef>
+        </p:style>
+        <p:txBody>
+          <a:bodyPr rtlCol="0" anchor="ctr"/>
+          <a:lstStyle/>
+          <a:p>
+            <a:pPr algn="ctr"/>
+            <a:endParaRPr lang="en-US">
+              <a:cs typeface="+mn-ea"/>
+              <a:sym typeface="+mn-lt"/>
+            </a:endParaRPr>
+          </a:p>
+        </p:txBody>
+      </p:sp>
+      <p:sp>
+        <p:nvSpPr>
+          <p:cNvPr id="100" name="矩形 99">
+            <a:extLst>
+              <a:ext uri="{FF2B5EF4-FFF2-40B4-BE49-F238E27FC236}">
+                <a16:creationId xmlns:a16="http://schemas.microsoft.com/office/drawing/2014/main" id="{44CF54BF-F841-4624-9CED-10218D562ADC}"/>
+              </a:ext>
+            </a:extLst>
+          </p:cNvPr>
+          <p:cNvSpPr>
+            <a:spLocks noChangeAspect="1"/>
+          </p:cNvSpPr>
+          <p:nvPr/>
+        </p:nvSpPr>
+        <p:spPr>
+          <a:xfrm rot="5400000" flipH="1">
+            <a:off x="6072767" y="1379961"/>
+            <a:ext cx="476086" cy="416280"/>
+          </a:xfrm>
+          <a:prstGeom prst="rect">
+            <a:avLst/>
+          </a:prstGeom>
+          <a:solidFill>
+            <a:schemeClr val="tx1"/>
+          </a:solidFill>
+          <a:ln>
+            <a:noFill/>
+          </a:ln>
+        </p:spPr>
+        <p:style>
+          <a:lnRef idx="2">
+            <a:schemeClr val="accent3">
+              <a:shade val="50000"/>
+            </a:schemeClr>
+          </a:lnRef>
+          <a:fillRef idx="1">
+            <a:schemeClr val="accent3"/>
+          </a:fillRef>
+          <a:effectRef idx="0">
+            <a:schemeClr val="accent3"/>
+          </a:effectRef>
+          <a:fontRef idx="minor">
+            <a:schemeClr val="lt1"/>
+          </a:fontRef>
+        </p:style>
+        <p:txBody>
+          <a:bodyPr rtlCol="0" anchor="ctr"/>
+          <a:lstStyle/>
+          <a:p>
+            <a:pPr algn="ctr"/>
+            <a:endParaRPr lang="en-US">
+              <a:cs typeface="+mn-ea"/>
+              <a:sym typeface="+mn-lt"/>
+            </a:endParaRPr>
+          </a:p>
+        </p:txBody>
+      </p:sp>
+      <p:sp>
+        <p:nvSpPr>
+          <p:cNvPr id="101" name="矩形 100">
+            <a:extLst>
+              <a:ext uri="{FF2B5EF4-FFF2-40B4-BE49-F238E27FC236}">
+                <a16:creationId xmlns:a16="http://schemas.microsoft.com/office/drawing/2014/main" id="{B15D74F0-A4CD-491E-8DF9-4EE6C7E7C211}"/>
+              </a:ext>
+            </a:extLst>
+          </p:cNvPr>
+          <p:cNvSpPr>
+            <a:spLocks noChangeAspect="1"/>
+          </p:cNvSpPr>
+          <p:nvPr/>
+        </p:nvSpPr>
+        <p:spPr>
+          <a:xfrm rot="5400000" flipH="1">
+            <a:off x="5498718" y="1379959"/>
+            <a:ext cx="476086" cy="416280"/>
+          </a:xfrm>
+          <a:prstGeom prst="rect">
+            <a:avLst/>
+          </a:prstGeom>
+          <a:ln>
+            <a:noFill/>
+          </a:ln>
+        </p:spPr>
+        <p:style>
+          <a:lnRef idx="2">
+            <a:schemeClr val="accent3">
+              <a:shade val="50000"/>
+            </a:schemeClr>
+          </a:lnRef>
+          <a:fillRef idx="1">
+            <a:schemeClr val="accent3"/>
+          </a:fillRef>
+          <a:effectRef idx="0">
+            <a:schemeClr val="accent3"/>
+          </a:effectRef>
+          <a:fontRef idx="minor">
+            <a:schemeClr val="lt1"/>
+          </a:fontRef>
+        </p:style>
+        <p:txBody>
+          <a:bodyPr rtlCol="0" anchor="ctr"/>
+          <a:lstStyle/>
+          <a:p>
+            <a:pPr algn="ctr"/>
+            <a:endParaRPr lang="en-US">
+              <a:cs typeface="+mn-ea"/>
+              <a:sym typeface="+mn-lt"/>
+            </a:endParaRPr>
+          </a:p>
+        </p:txBody>
+      </p:sp>
+      <p:sp>
+        <p:nvSpPr>
+          <p:cNvPr id="103" name="矩形 102">
+            <a:extLst>
+              <a:ext uri="{FF2B5EF4-FFF2-40B4-BE49-F238E27FC236}">
+                <a16:creationId xmlns:a16="http://schemas.microsoft.com/office/drawing/2014/main" id="{0ECD26FB-EE69-435A-89D7-881EB0C00613}"/>
+              </a:ext>
+            </a:extLst>
+          </p:cNvPr>
+          <p:cNvSpPr>
+            <a:spLocks noChangeAspect="1"/>
+          </p:cNvSpPr>
+          <p:nvPr/>
+        </p:nvSpPr>
+        <p:spPr>
+          <a:xfrm rot="5400000" flipH="1">
+            <a:off x="5315098" y="1462825"/>
+            <a:ext cx="286548" cy="250552"/>
+          </a:xfrm>
+          <a:prstGeom prst="rect">
+            <a:avLst/>
+          </a:prstGeom>
+          <a:ln>
+            <a:noFill/>
+          </a:ln>
+        </p:spPr>
+        <p:style>
+          <a:lnRef idx="2">
+            <a:schemeClr val="accent3">
+              <a:shade val="50000"/>
+            </a:schemeClr>
+          </a:lnRef>
+          <a:fillRef idx="1">
+            <a:schemeClr val="accent3"/>
+          </a:fillRef>
+          <a:effectRef idx="0">
+            <a:schemeClr val="accent3"/>
+          </a:effectRef>
+          <a:fontRef idx="minor">
+            <a:schemeClr val="lt1"/>
+          </a:fontRef>
+        </p:style>
+        <p:txBody>
+          <a:bodyPr rtlCol="0" anchor="ctr"/>
+          <a:lstStyle/>
+          <a:p>
+            <a:pPr algn="ctr"/>
+            <a:endParaRPr lang="en-US">
+              <a:cs typeface="+mn-ea"/>
+              <a:sym typeface="+mn-lt"/>
+            </a:endParaRPr>
+          </a:p>
+        </p:txBody>
+      </p:sp>
+      <p:sp>
+        <p:nvSpPr>
+          <p:cNvPr id="102" name="矩形 101">
+            <a:extLst>
+              <a:ext uri="{FF2B5EF4-FFF2-40B4-BE49-F238E27FC236}">
+                <a16:creationId xmlns:a16="http://schemas.microsoft.com/office/drawing/2014/main" id="{51FAE3EE-D0AE-4E82-B98D-C82893A5DAC8}"/>
+              </a:ext>
+            </a:extLst>
+          </p:cNvPr>
+          <p:cNvSpPr>
+            <a:spLocks noChangeAspect="1"/>
+          </p:cNvSpPr>
+          <p:nvPr/>
+        </p:nvSpPr>
+        <p:spPr>
+          <a:xfrm rot="5400000" flipH="1">
+            <a:off x="4924669" y="1379958"/>
+            <a:ext cx="476086" cy="416280"/>
+          </a:xfrm>
+          <a:prstGeom prst="rect">
+            <a:avLst/>
+          </a:prstGeom>
+          <a:solidFill>
+            <a:srgbClr val="C00000"/>
+          </a:solidFill>
+          <a:ln>
+            <a:noFill/>
+          </a:ln>
+        </p:spPr>
+        <p:style>
+          <a:lnRef idx="2">
+            <a:schemeClr val="accent3">
+              <a:shade val="50000"/>
+            </a:schemeClr>
+          </a:lnRef>
+          <a:fillRef idx="1">
+            <a:schemeClr val="accent3"/>
+          </a:fillRef>
+          <a:effectRef idx="0">
+            <a:schemeClr val="accent3"/>
+          </a:effectRef>
+          <a:fontRef idx="minor">
+            <a:schemeClr val="lt1"/>
+          </a:fontRef>
+        </p:style>
+        <p:txBody>
+          <a:bodyPr rtlCol="0" anchor="ctr"/>
+          <a:lstStyle/>
+          <a:p>
+            <a:pPr algn="ctr"/>
+            <a:endParaRPr lang="en-US">
+              <a:solidFill>
+                <a:srgbClr val="C00000"/>
+              </a:solidFill>
+              <a:cs typeface="+mn-ea"/>
+              <a:sym typeface="+mn-lt"/>
+            </a:endParaRPr>
+          </a:p>
+        </p:txBody>
+      </p:sp>
+      <p:sp>
+        <p:nvSpPr>
+          <p:cNvPr id="37" name="矩形 36">
+            <a:extLst>
+              <a:ext uri="{FF2B5EF4-FFF2-40B4-BE49-F238E27FC236}">
+                <a16:creationId xmlns:a16="http://schemas.microsoft.com/office/drawing/2014/main" id="{5DE99795-EC6D-4391-BB35-63E0E45433F8}"/>
+              </a:ext>
+            </a:extLst>
+          </p:cNvPr>
+          <p:cNvSpPr>
+            <a:spLocks noChangeAspect="1"/>
+          </p:cNvSpPr>
+          <p:nvPr/>
+        </p:nvSpPr>
+        <p:spPr>
+          <a:xfrm rot="16200000">
+            <a:off x="6107017" y="4885631"/>
+            <a:ext cx="476086" cy="416280"/>
+          </a:xfrm>
+          <a:prstGeom prst="rect">
+            <a:avLst/>
+          </a:prstGeom>
+          <a:solidFill>
+            <a:srgbClr val="C00000"/>
+          </a:solidFill>
+          <a:ln>
+            <a:noFill/>
+          </a:ln>
+        </p:spPr>
+        <p:style>
+          <a:lnRef idx="2">
+            <a:schemeClr val="accent3">
+              <a:shade val="50000"/>
+            </a:schemeClr>
+          </a:lnRef>
+          <a:fillRef idx="1">
+            <a:schemeClr val="accent3"/>
+          </a:fillRef>
+          <a:effectRef idx="0">
+            <a:schemeClr val="accent3"/>
+          </a:effectRef>
+          <a:fontRef idx="minor">
+            <a:schemeClr val="lt1"/>
+          </a:fontRef>
+        </p:style>
+        <p:txBody>
+          <a:bodyPr rtlCol="0" anchor="ctr"/>
+          <a:lstStyle/>
+          <a:p>
+            <a:pPr algn="ctr"/>
+            <a:endParaRPr lang="en-US">
+              <a:cs typeface="+mn-ea"/>
+              <a:sym typeface="+mn-lt"/>
+            </a:endParaRPr>
+          </a:p>
+        </p:txBody>
+      </p:sp>
+      <p:sp>
+        <p:nvSpPr>
+          <p:cNvPr id="92" name="矩形 91">
+            <a:extLst>
+              <a:ext uri="{FF2B5EF4-FFF2-40B4-BE49-F238E27FC236}">
+                <a16:creationId xmlns:a16="http://schemas.microsoft.com/office/drawing/2014/main" id="{3632C50F-B1D5-42D0-8DD4-1F13127627CE}"/>
+              </a:ext>
+            </a:extLst>
+          </p:cNvPr>
+          <p:cNvSpPr>
+            <a:spLocks noChangeAspect="1"/>
+          </p:cNvSpPr>
+          <p:nvPr/>
+        </p:nvSpPr>
+        <p:spPr>
+          <a:xfrm rot="5400000" flipH="1">
+            <a:off x="4958919" y="5551566"/>
+            <a:ext cx="476086" cy="416280"/>
+          </a:xfrm>
+          <a:prstGeom prst="rect">
+            <a:avLst/>
+          </a:prstGeom>
+          <a:solidFill>
+            <a:schemeClr val="tx1"/>
+          </a:solidFill>
+          <a:ln>
+            <a:noFill/>
+          </a:ln>
+        </p:spPr>
+        <p:style>
+          <a:lnRef idx="2">
+            <a:schemeClr val="accent3">
+              <a:shade val="50000"/>
+            </a:schemeClr>
+          </a:lnRef>
+          <a:fillRef idx="1">
+            <a:schemeClr val="accent3"/>
+          </a:fillRef>
+          <a:effectRef idx="0">
+            <a:schemeClr val="accent3"/>
+          </a:effectRef>
+          <a:fontRef idx="minor">
+            <a:schemeClr val="lt1"/>
+          </a:fontRef>
+        </p:style>
+        <p:txBody>
+          <a:bodyPr rtlCol="0" anchor="ctr"/>
+          <a:lstStyle/>
+          <a:p>
+            <a:pPr algn="ctr"/>
+            <a:endParaRPr lang="en-US">
+              <a:cs typeface="+mn-ea"/>
+              <a:sym typeface="+mn-lt"/>
+            </a:endParaRPr>
+          </a:p>
+        </p:txBody>
+      </p:sp>
+      <p:sp>
+        <p:nvSpPr>
+          <p:cNvPr id="97" name="矩形 96">
+            <a:extLst>
+              <a:ext uri="{FF2B5EF4-FFF2-40B4-BE49-F238E27FC236}">
+                <a16:creationId xmlns:a16="http://schemas.microsoft.com/office/drawing/2014/main" id="{36B7FA28-E2B5-44AD-A419-97DDF058A599}"/>
+              </a:ext>
+            </a:extLst>
+          </p:cNvPr>
+          <p:cNvSpPr>
+            <a:spLocks noChangeAspect="1"/>
+          </p:cNvSpPr>
+          <p:nvPr/>
+        </p:nvSpPr>
+        <p:spPr>
+          <a:xfrm rot="16200000">
+            <a:off x="6072767" y="714023"/>
+            <a:ext cx="476086" cy="416280"/>
+          </a:xfrm>
+          <a:prstGeom prst="rect">
+            <a:avLst/>
+          </a:prstGeom>
+          <a:solidFill>
+            <a:schemeClr val="tx1"/>
+          </a:solidFill>
+          <a:ln>
+            <a:noFill/>
+          </a:ln>
+        </p:spPr>
+        <p:style>
+          <a:lnRef idx="2">
+            <a:schemeClr val="accent3">
+              <a:shade val="50000"/>
+            </a:schemeClr>
+          </a:lnRef>
+          <a:fillRef idx="1">
+            <a:schemeClr val="accent3"/>
+          </a:fillRef>
+          <a:effectRef idx="0">
+            <a:schemeClr val="accent3"/>
+          </a:effectRef>
+          <a:fontRef idx="minor">
+            <a:schemeClr val="lt1"/>
+          </a:fontRef>
+        </p:style>
+        <p:txBody>
+          <a:bodyPr rtlCol="0" anchor="ctr"/>
+          <a:lstStyle/>
+          <a:p>
+            <a:pPr algn="ctr"/>
+            <a:endParaRPr lang="en-US">
+              <a:cs typeface="+mn-ea"/>
+              <a:sym typeface="+mn-lt"/>
+            </a:endParaRPr>
+          </a:p>
+        </p:txBody>
+      </p:sp>
+      <p:sp>
+        <p:nvSpPr>
+          <p:cNvPr id="31" name="文本框 30">
+            <a:extLst>
+              <a:ext uri="{FF2B5EF4-FFF2-40B4-BE49-F238E27FC236}">
+                <a16:creationId xmlns:a16="http://schemas.microsoft.com/office/drawing/2014/main" id="{E5435677-B1EF-4AE3-A080-69492A6C834B}"/>
+              </a:ext>
+            </a:extLst>
+          </p:cNvPr>
+          <p:cNvSpPr txBox="1"/>
+          <p:nvPr/>
+        </p:nvSpPr>
+        <p:spPr>
           <a:xfrm>
-            <a:off x="4954572" y="684120"/>
-            <a:ext cx="1564378" cy="476089"/>
-            <a:chOff x="4988822" y="4855728"/>
-            <a:chExt cx="1564378" cy="476089"/>
-          </a:xfrm>
-        </p:grpSpPr>
-        <p:sp>
-          <p:nvSpPr>
-            <p:cNvPr id="95" name="矩形 94">
-              <a:extLst>
-                <a:ext uri="{FF2B5EF4-FFF2-40B4-BE49-F238E27FC236}">
-                  <a16:creationId xmlns:a16="http://schemas.microsoft.com/office/drawing/2014/main" id="{91610901-4AD5-469C-AD73-DB1654B45325}"/>
-                </a:ext>
-              </a:extLst>
-            </p:cNvPr>
-            <p:cNvSpPr>
-              <a:spLocks noChangeAspect="1"/>
-            </p:cNvSpPr>
-            <p:nvPr/>
-          </p:nvSpPr>
-          <p:spPr>
-            <a:xfrm rot="16200000">
-              <a:off x="4958919" y="4885634"/>
-              <a:ext cx="476086" cy="416280"/>
-            </a:xfrm>
-            <a:prstGeom prst="rect">
-              <a:avLst/>
-            </a:prstGeom>
-            <a:ln>
-              <a:noFill/>
-            </a:ln>
-          </p:spPr>
-          <p:style>
-            <a:lnRef idx="2">
-              <a:schemeClr val="accent3">
-                <a:shade val="50000"/>
-              </a:schemeClr>
-            </a:lnRef>
-            <a:fillRef idx="1">
-              <a:schemeClr val="accent3"/>
-            </a:fillRef>
-            <a:effectRef idx="0">
-              <a:schemeClr val="accent3"/>
-            </a:effectRef>
-            <a:fontRef idx="minor">
-              <a:schemeClr val="lt1"/>
-            </a:fontRef>
-          </p:style>
-          <p:txBody>
-            <a:bodyPr rtlCol="0" anchor="ctr"/>
-            <a:lstStyle/>
-            <a:p>
-              <a:pPr algn="ctr"/>
-              <a:endParaRPr lang="en-US">
-                <a:cs typeface="+mn-ea"/>
-                <a:sym typeface="+mn-lt"/>
-              </a:endParaRPr>
-            </a:p>
-          </p:txBody>
-        </p:sp>
-        <p:sp>
-          <p:nvSpPr>
-            <p:cNvPr id="96" name="矩形 95">
-              <a:extLst>
-                <a:ext uri="{FF2B5EF4-FFF2-40B4-BE49-F238E27FC236}">
-                  <a16:creationId xmlns:a16="http://schemas.microsoft.com/office/drawing/2014/main" id="{558DC062-EE16-4B5B-B827-918737097B36}"/>
-                </a:ext>
-              </a:extLst>
-            </p:cNvPr>
-            <p:cNvSpPr>
-              <a:spLocks noChangeAspect="1"/>
-            </p:cNvSpPr>
-            <p:nvPr/>
-          </p:nvSpPr>
-          <p:spPr>
-            <a:xfrm rot="16200000">
-              <a:off x="5532968" y="4885632"/>
-              <a:ext cx="476086" cy="416280"/>
-            </a:xfrm>
-            <a:prstGeom prst="rect">
-              <a:avLst/>
-            </a:prstGeom>
-            <a:ln>
-              <a:noFill/>
-            </a:ln>
-          </p:spPr>
-          <p:style>
-            <a:lnRef idx="2">
-              <a:schemeClr val="accent3">
-                <a:shade val="50000"/>
-              </a:schemeClr>
-            </a:lnRef>
-            <a:fillRef idx="1">
-              <a:schemeClr val="accent3"/>
-            </a:fillRef>
-            <a:effectRef idx="0">
-              <a:schemeClr val="accent3"/>
-            </a:effectRef>
-            <a:fontRef idx="minor">
-              <a:schemeClr val="lt1"/>
-            </a:fontRef>
-          </p:style>
-          <p:txBody>
-            <a:bodyPr rtlCol="0" anchor="ctr"/>
-            <a:lstStyle/>
-            <a:p>
-              <a:pPr algn="ctr"/>
-              <a:endParaRPr lang="en-US">
-                <a:cs typeface="+mn-ea"/>
-                <a:sym typeface="+mn-lt"/>
-              </a:endParaRPr>
-            </a:p>
-          </p:txBody>
-        </p:sp>
-        <p:sp>
-          <p:nvSpPr>
-            <p:cNvPr id="97" name="矩形 96">
-              <a:extLst>
-                <a:ext uri="{FF2B5EF4-FFF2-40B4-BE49-F238E27FC236}">
-                  <a16:creationId xmlns:a16="http://schemas.microsoft.com/office/drawing/2014/main" id="{36B7FA28-E2B5-44AD-A419-97DDF058A599}"/>
-                </a:ext>
-              </a:extLst>
-            </p:cNvPr>
-            <p:cNvSpPr>
-              <a:spLocks noChangeAspect="1"/>
-            </p:cNvSpPr>
-            <p:nvPr/>
-          </p:nvSpPr>
-          <p:spPr>
-            <a:xfrm rot="16200000">
-              <a:off x="6107017" y="4885631"/>
-              <a:ext cx="476086" cy="416280"/>
-            </a:xfrm>
-            <a:prstGeom prst="rect">
-              <a:avLst/>
-            </a:prstGeom>
-            <a:ln>
-              <a:noFill/>
-            </a:ln>
-          </p:spPr>
-          <p:style>
-            <a:lnRef idx="2">
-              <a:schemeClr val="accent3">
-                <a:shade val="50000"/>
-              </a:schemeClr>
-            </a:lnRef>
-            <a:fillRef idx="1">
-              <a:schemeClr val="accent3"/>
-            </a:fillRef>
-            <a:effectRef idx="0">
-              <a:schemeClr val="accent3"/>
-            </a:effectRef>
-            <a:fontRef idx="minor">
-              <a:schemeClr val="lt1"/>
-            </a:fontRef>
-          </p:style>
-          <p:txBody>
-            <a:bodyPr rtlCol="0" anchor="ctr"/>
-            <a:lstStyle/>
-            <a:p>
-              <a:pPr algn="ctr"/>
-              <a:endParaRPr lang="en-US">
-                <a:cs typeface="+mn-ea"/>
-                <a:sym typeface="+mn-lt"/>
-              </a:endParaRPr>
-            </a:p>
-          </p:txBody>
-        </p:sp>
-        <p:sp>
-          <p:nvSpPr>
-            <p:cNvPr id="98" name="矩形 97">
-              <a:extLst>
-                <a:ext uri="{FF2B5EF4-FFF2-40B4-BE49-F238E27FC236}">
-                  <a16:creationId xmlns:a16="http://schemas.microsoft.com/office/drawing/2014/main" id="{D4F7756E-9C2D-487A-96BF-79E5274096F4}"/>
-                </a:ext>
-              </a:extLst>
-            </p:cNvPr>
-            <p:cNvSpPr>
-              <a:spLocks noChangeAspect="1"/>
-            </p:cNvSpPr>
-            <p:nvPr/>
-          </p:nvSpPr>
-          <p:spPr>
-            <a:xfrm rot="16200000">
-              <a:off x="5906126" y="4968498"/>
-              <a:ext cx="286548" cy="250552"/>
-            </a:xfrm>
-            <a:prstGeom prst="rect">
-              <a:avLst/>
-            </a:prstGeom>
-            <a:ln>
-              <a:noFill/>
-            </a:ln>
-          </p:spPr>
-          <p:style>
-            <a:lnRef idx="2">
-              <a:schemeClr val="accent3">
-                <a:shade val="50000"/>
-              </a:schemeClr>
-            </a:lnRef>
-            <a:fillRef idx="1">
-              <a:schemeClr val="accent3"/>
-            </a:fillRef>
-            <a:effectRef idx="0">
-              <a:schemeClr val="accent3"/>
-            </a:effectRef>
-            <a:fontRef idx="minor">
-              <a:schemeClr val="lt1"/>
-            </a:fontRef>
-          </p:style>
-          <p:txBody>
-            <a:bodyPr rtlCol="0" anchor="ctr"/>
-            <a:lstStyle/>
-            <a:p>
-              <a:pPr algn="ctr"/>
-              <a:endParaRPr lang="en-US">
-                <a:cs typeface="+mn-ea"/>
-                <a:sym typeface="+mn-lt"/>
-              </a:endParaRPr>
-            </a:p>
-          </p:txBody>
-        </p:sp>
-      </p:grpSp>
-      <p:grpSp>
-        <p:nvGrpSpPr>
-          <p:cNvPr id="99" name="组合 98">
-            <a:extLst>
-              <a:ext uri="{FF2B5EF4-FFF2-40B4-BE49-F238E27FC236}">
-                <a16:creationId xmlns:a16="http://schemas.microsoft.com/office/drawing/2014/main" id="{78FB95F8-63BB-43BF-A533-8A4A4982D1B1}"/>
-              </a:ext>
-            </a:extLst>
-          </p:cNvPr>
-          <p:cNvGrpSpPr/>
+            <a:off x="6694387" y="1364476"/>
+            <a:ext cx="1210588" cy="461665"/>
+          </a:xfrm>
+          <a:prstGeom prst="rect">
+            <a:avLst/>
+          </a:prstGeom>
+          <a:noFill/>
+        </p:spPr>
+        <p:txBody>
+          <a:bodyPr wrap="none" rtlCol="0">
+            <a:spAutoFit/>
+          </a:bodyPr>
+          <a:lstStyle/>
+          <a:p>
+            <a:r>
+              <a:rPr lang="en-US" altLang="zh-CN" sz="2400" b="1" dirty="0">
+                <a:solidFill>
+                  <a:srgbClr val="A5A5A5"/>
+                </a:solidFill>
+                <a:latin typeface="Arial Black" panose="020B0A04020102020204" pitchFamily="34" charset="0"/>
+                <a:ea typeface="微软雅黑" panose="020B0503020204020204" pitchFamily="34" charset="-122"/>
+              </a:rPr>
+              <a:t>0 x 19</a:t>
+            </a:r>
+            <a:endParaRPr lang="zh-CN" altLang="en-US" sz="2400" b="1" dirty="0">
+              <a:solidFill>
+                <a:srgbClr val="A5A5A5"/>
+              </a:solidFill>
+              <a:latin typeface="Arial Black" panose="020B0A04020102020204" pitchFamily="34" charset="0"/>
+              <a:ea typeface="微软雅黑" panose="020B0503020204020204" pitchFamily="34" charset="-122"/>
+            </a:endParaRPr>
+          </a:p>
+        </p:txBody>
+      </p:sp>
+      <p:sp>
+        <p:nvSpPr>
+          <p:cNvPr id="32" name="文本框 31">
+            <a:extLst>
+              <a:ext uri="{FF2B5EF4-FFF2-40B4-BE49-F238E27FC236}">
+                <a16:creationId xmlns:a16="http://schemas.microsoft.com/office/drawing/2014/main" id="{971194EA-5EC3-4CFB-9B5A-A9ABE468D258}"/>
+              </a:ext>
+            </a:extLst>
+          </p:cNvPr>
+          <p:cNvSpPr txBox="1"/>
           <p:nvPr/>
-        </p:nvGrpSpPr>
-        <p:grpSpPr>
-          <a:xfrm flipH="1">
-            <a:off x="4954572" y="1350055"/>
-            <a:ext cx="1564378" cy="476089"/>
-            <a:chOff x="4988822" y="5617866"/>
-            <a:chExt cx="1564378" cy="476089"/>
-          </a:xfrm>
-        </p:grpSpPr>
-        <p:sp>
-          <p:nvSpPr>
-            <p:cNvPr id="100" name="矩形 99">
-              <a:extLst>
-                <a:ext uri="{FF2B5EF4-FFF2-40B4-BE49-F238E27FC236}">
-                  <a16:creationId xmlns:a16="http://schemas.microsoft.com/office/drawing/2014/main" id="{44CF54BF-F841-4624-9CED-10218D562ADC}"/>
-                </a:ext>
-              </a:extLst>
-            </p:cNvPr>
-            <p:cNvSpPr>
-              <a:spLocks noChangeAspect="1"/>
-            </p:cNvSpPr>
-            <p:nvPr/>
-          </p:nvSpPr>
-          <p:spPr>
-            <a:xfrm rot="16200000">
-              <a:off x="4958919" y="5647772"/>
-              <a:ext cx="476086" cy="416280"/>
-            </a:xfrm>
-            <a:prstGeom prst="rect">
-              <a:avLst/>
-            </a:prstGeom>
-            <a:ln>
-              <a:noFill/>
-            </a:ln>
-          </p:spPr>
-          <p:style>
-            <a:lnRef idx="2">
-              <a:schemeClr val="accent3">
-                <a:shade val="50000"/>
-              </a:schemeClr>
-            </a:lnRef>
-            <a:fillRef idx="1">
-              <a:schemeClr val="accent3"/>
-            </a:fillRef>
-            <a:effectRef idx="0">
-              <a:schemeClr val="accent3"/>
-            </a:effectRef>
-            <a:fontRef idx="minor">
-              <a:schemeClr val="lt1"/>
-            </a:fontRef>
-          </p:style>
-          <p:txBody>
-            <a:bodyPr rtlCol="0" anchor="ctr"/>
-            <a:lstStyle/>
-            <a:p>
-              <a:pPr algn="ctr"/>
-              <a:endParaRPr lang="en-US">
-                <a:cs typeface="+mn-ea"/>
-                <a:sym typeface="+mn-lt"/>
-              </a:endParaRPr>
-            </a:p>
-          </p:txBody>
-        </p:sp>
-        <p:sp>
-          <p:nvSpPr>
-            <p:cNvPr id="101" name="矩形 100">
-              <a:extLst>
-                <a:ext uri="{FF2B5EF4-FFF2-40B4-BE49-F238E27FC236}">
-                  <a16:creationId xmlns:a16="http://schemas.microsoft.com/office/drawing/2014/main" id="{B15D74F0-A4CD-491E-8DF9-4EE6C7E7C211}"/>
-                </a:ext>
-              </a:extLst>
-            </p:cNvPr>
-            <p:cNvSpPr>
-              <a:spLocks noChangeAspect="1"/>
-            </p:cNvSpPr>
-            <p:nvPr/>
-          </p:nvSpPr>
-          <p:spPr>
-            <a:xfrm rot="16200000">
-              <a:off x="5532968" y="5647770"/>
-              <a:ext cx="476086" cy="416280"/>
-            </a:xfrm>
-            <a:prstGeom prst="rect">
-              <a:avLst/>
-            </a:prstGeom>
-            <a:ln>
-              <a:noFill/>
-            </a:ln>
-          </p:spPr>
-          <p:style>
-            <a:lnRef idx="2">
-              <a:schemeClr val="accent3">
-                <a:shade val="50000"/>
-              </a:schemeClr>
-            </a:lnRef>
-            <a:fillRef idx="1">
-              <a:schemeClr val="accent3"/>
-            </a:fillRef>
-            <a:effectRef idx="0">
-              <a:schemeClr val="accent3"/>
-            </a:effectRef>
-            <a:fontRef idx="minor">
-              <a:schemeClr val="lt1"/>
-            </a:fontRef>
-          </p:style>
-          <p:txBody>
-            <a:bodyPr rtlCol="0" anchor="ctr"/>
-            <a:lstStyle/>
-            <a:p>
-              <a:pPr algn="ctr"/>
-              <a:endParaRPr lang="en-US">
-                <a:cs typeface="+mn-ea"/>
-                <a:sym typeface="+mn-lt"/>
-              </a:endParaRPr>
-            </a:p>
-          </p:txBody>
-        </p:sp>
-        <p:sp>
-          <p:nvSpPr>
-            <p:cNvPr id="102" name="矩形 101">
-              <a:extLst>
-                <a:ext uri="{FF2B5EF4-FFF2-40B4-BE49-F238E27FC236}">
-                  <a16:creationId xmlns:a16="http://schemas.microsoft.com/office/drawing/2014/main" id="{51FAE3EE-D0AE-4E82-B98D-C82893A5DAC8}"/>
-                </a:ext>
-              </a:extLst>
-            </p:cNvPr>
-            <p:cNvSpPr>
-              <a:spLocks noChangeAspect="1"/>
-            </p:cNvSpPr>
-            <p:nvPr/>
-          </p:nvSpPr>
-          <p:spPr>
-            <a:xfrm rot="16200000">
-              <a:off x="6107017" y="5647769"/>
-              <a:ext cx="476086" cy="416280"/>
-            </a:xfrm>
-            <a:prstGeom prst="rect">
-              <a:avLst/>
-            </a:prstGeom>
-            <a:ln>
-              <a:noFill/>
-            </a:ln>
-          </p:spPr>
-          <p:style>
-            <a:lnRef idx="2">
-              <a:schemeClr val="accent3">
-                <a:shade val="50000"/>
-              </a:schemeClr>
-            </a:lnRef>
-            <a:fillRef idx="1">
-              <a:schemeClr val="accent3"/>
-            </a:fillRef>
-            <a:effectRef idx="0">
-              <a:schemeClr val="accent3"/>
-            </a:effectRef>
-            <a:fontRef idx="minor">
-              <a:schemeClr val="lt1"/>
-            </a:fontRef>
-          </p:style>
-          <p:txBody>
-            <a:bodyPr rtlCol="0" anchor="ctr"/>
-            <a:lstStyle/>
-            <a:p>
-              <a:pPr algn="ctr"/>
-              <a:endParaRPr lang="en-US">
-                <a:cs typeface="+mn-ea"/>
-                <a:sym typeface="+mn-lt"/>
-              </a:endParaRPr>
-            </a:p>
-          </p:txBody>
-        </p:sp>
-        <p:sp>
-          <p:nvSpPr>
-            <p:cNvPr id="103" name="矩形 102">
-              <a:extLst>
-                <a:ext uri="{FF2B5EF4-FFF2-40B4-BE49-F238E27FC236}">
-                  <a16:creationId xmlns:a16="http://schemas.microsoft.com/office/drawing/2014/main" id="{0ECD26FB-EE69-435A-89D7-881EB0C00613}"/>
-                </a:ext>
-              </a:extLst>
-            </p:cNvPr>
-            <p:cNvSpPr>
-              <a:spLocks noChangeAspect="1"/>
-            </p:cNvSpPr>
-            <p:nvPr/>
-          </p:nvSpPr>
-          <p:spPr>
-            <a:xfrm rot="16200000">
-              <a:off x="5906126" y="5730636"/>
-              <a:ext cx="286548" cy="250552"/>
-            </a:xfrm>
-            <a:prstGeom prst="rect">
-              <a:avLst/>
-            </a:prstGeom>
-            <a:ln>
-              <a:noFill/>
-            </a:ln>
-          </p:spPr>
-          <p:style>
-            <a:lnRef idx="2">
-              <a:schemeClr val="accent3">
-                <a:shade val="50000"/>
-              </a:schemeClr>
-            </a:lnRef>
-            <a:fillRef idx="1">
-              <a:schemeClr val="accent3"/>
-            </a:fillRef>
-            <a:effectRef idx="0">
-              <a:schemeClr val="accent3"/>
-            </a:effectRef>
-            <a:fontRef idx="minor">
-              <a:schemeClr val="lt1"/>
-            </a:fontRef>
-          </p:style>
-          <p:txBody>
-            <a:bodyPr rtlCol="0" anchor="ctr"/>
-            <a:lstStyle/>
-            <a:p>
-              <a:pPr algn="ctr"/>
-              <a:endParaRPr lang="en-US">
-                <a:cs typeface="+mn-ea"/>
-                <a:sym typeface="+mn-lt"/>
-              </a:endParaRPr>
-            </a:p>
-          </p:txBody>
-        </p:sp>
-      </p:grpSp>
+        </p:nvSpPr>
+        <p:spPr>
+          <a:xfrm>
+            <a:off x="7833470" y="735459"/>
+            <a:ext cx="1603324" cy="461665"/>
+          </a:xfrm>
+          <a:prstGeom prst="rect">
+            <a:avLst/>
+          </a:prstGeom>
+          <a:noFill/>
+        </p:spPr>
+        <p:txBody>
+          <a:bodyPr wrap="none" rtlCol="0">
+            <a:spAutoFit/>
+          </a:bodyPr>
+          <a:lstStyle/>
+          <a:p>
+            <a:r>
+              <a:rPr lang="en-US" altLang="zh-CN" sz="2400" b="1">
+                <a:solidFill>
+                  <a:srgbClr val="A5A5A5"/>
+                </a:solidFill>
+                <a:latin typeface="Arial Black" panose="020B0A04020102020204" pitchFamily="34" charset="0"/>
+                <a:ea typeface="微软雅黑" panose="020B0503020204020204" pitchFamily="34" charset="-122"/>
+              </a:rPr>
+              <a:t>Optional</a:t>
+            </a:r>
+            <a:endParaRPr lang="zh-CN" altLang="en-US" sz="2400" b="1" dirty="0">
+              <a:solidFill>
+                <a:srgbClr val="A5A5A5"/>
+              </a:solidFill>
+              <a:latin typeface="Arial Black" panose="020B0A04020102020204" pitchFamily="34" charset="0"/>
+              <a:ea typeface="微软雅黑" panose="020B0503020204020204" pitchFamily="34" charset="-122"/>
+            </a:endParaRPr>
+          </a:p>
+        </p:txBody>
+      </p:sp>
+      <p:sp>
+        <p:nvSpPr>
+          <p:cNvPr id="33" name="文本框 32">
+            <a:extLst>
+              <a:ext uri="{FF2B5EF4-FFF2-40B4-BE49-F238E27FC236}">
+                <a16:creationId xmlns:a16="http://schemas.microsoft.com/office/drawing/2014/main" id="{790391D1-9A6D-4BA1-9728-8FFE7E53D919}"/>
+              </a:ext>
+            </a:extLst>
+          </p:cNvPr>
+          <p:cNvSpPr txBox="1"/>
+          <p:nvPr/>
+        </p:nvSpPr>
+        <p:spPr>
+          <a:xfrm>
+            <a:off x="6725182" y="4904756"/>
+            <a:ext cx="1210588" cy="461665"/>
+          </a:xfrm>
+          <a:prstGeom prst="rect">
+            <a:avLst/>
+          </a:prstGeom>
+          <a:noFill/>
+        </p:spPr>
+        <p:txBody>
+          <a:bodyPr wrap="none" rtlCol="0">
+            <a:spAutoFit/>
+          </a:bodyPr>
+          <a:lstStyle/>
+          <a:p>
+            <a:r>
+              <a:rPr lang="en-US" altLang="zh-CN" sz="2400" b="1" dirty="0">
+                <a:solidFill>
+                  <a:srgbClr val="A5A5A5"/>
+                </a:solidFill>
+                <a:latin typeface="Arial Black" panose="020B0A04020102020204" pitchFamily="34" charset="0"/>
+                <a:ea typeface="微软雅黑" panose="020B0503020204020204" pitchFamily="34" charset="-122"/>
+              </a:rPr>
+              <a:t>0 </a:t>
+            </a:r>
+            <a:r>
+              <a:rPr lang="en-US" altLang="zh-CN" sz="2400" b="1">
+                <a:solidFill>
+                  <a:srgbClr val="A5A5A5"/>
+                </a:solidFill>
+                <a:latin typeface="Arial Black" panose="020B0A04020102020204" pitchFamily="34" charset="0"/>
+                <a:ea typeface="微软雅黑" panose="020B0503020204020204" pitchFamily="34" charset="-122"/>
+              </a:rPr>
+              <a:t>x 69</a:t>
+            </a:r>
+            <a:endParaRPr lang="zh-CN" altLang="en-US" sz="2400" b="1" dirty="0">
+              <a:solidFill>
+                <a:srgbClr val="A5A5A5"/>
+              </a:solidFill>
+              <a:latin typeface="Arial Black" panose="020B0A04020102020204" pitchFamily="34" charset="0"/>
+              <a:ea typeface="微软雅黑" panose="020B0503020204020204" pitchFamily="34" charset="-122"/>
+            </a:endParaRPr>
+          </a:p>
+        </p:txBody>
+      </p:sp>
+      <p:sp>
+        <p:nvSpPr>
+          <p:cNvPr id="34" name="文本框 33">
+            <a:extLst>
+              <a:ext uri="{FF2B5EF4-FFF2-40B4-BE49-F238E27FC236}">
+                <a16:creationId xmlns:a16="http://schemas.microsoft.com/office/drawing/2014/main" id="{231EE6E5-869C-41B2-8F0F-D7FCB2B7FDCF}"/>
+              </a:ext>
+            </a:extLst>
+          </p:cNvPr>
+          <p:cNvSpPr txBox="1"/>
+          <p:nvPr/>
+        </p:nvSpPr>
+        <p:spPr>
+          <a:xfrm>
+            <a:off x="7920736" y="4904756"/>
+            <a:ext cx="1395126" cy="461665"/>
+          </a:xfrm>
+          <a:prstGeom prst="rect">
+            <a:avLst/>
+          </a:prstGeom>
+          <a:noFill/>
+        </p:spPr>
+        <p:txBody>
+          <a:bodyPr wrap="none" rtlCol="0">
+            <a:spAutoFit/>
+          </a:bodyPr>
+          <a:lstStyle/>
+          <a:p>
+            <a:r>
+              <a:rPr lang="en-US" altLang="zh-CN" sz="2400" b="1" dirty="0">
+                <a:solidFill>
+                  <a:srgbClr val="A5A5A5"/>
+                </a:solidFill>
+                <a:latin typeface="Arial Black" panose="020B0A04020102020204" pitchFamily="34" charset="0"/>
+                <a:ea typeface="微软雅黑" panose="020B0503020204020204" pitchFamily="34" charset="-122"/>
+              </a:rPr>
+              <a:t>Default</a:t>
+            </a:r>
+            <a:endParaRPr lang="zh-CN" altLang="en-US" sz="2400" b="1" dirty="0">
+              <a:solidFill>
+                <a:srgbClr val="A5A5A5"/>
+              </a:solidFill>
+              <a:latin typeface="Arial Black" panose="020B0A04020102020204" pitchFamily="34" charset="0"/>
+              <a:ea typeface="微软雅黑" panose="020B0503020204020204" pitchFamily="34" charset="-122"/>
+            </a:endParaRPr>
+          </a:p>
+        </p:txBody>
+      </p:sp>
+      <p:sp>
+        <p:nvSpPr>
+          <p:cNvPr id="35" name="文本框 34">
+            <a:extLst>
+              <a:ext uri="{FF2B5EF4-FFF2-40B4-BE49-F238E27FC236}">
+                <a16:creationId xmlns:a16="http://schemas.microsoft.com/office/drawing/2014/main" id="{8ED2074F-DAF7-444D-857B-BA64E989239F}"/>
+              </a:ext>
+            </a:extLst>
+          </p:cNvPr>
+          <p:cNvSpPr txBox="1"/>
+          <p:nvPr/>
+        </p:nvSpPr>
+        <p:spPr>
+          <a:xfrm>
+            <a:off x="6725139" y="5529581"/>
+            <a:ext cx="1210588" cy="461665"/>
+          </a:xfrm>
+          <a:prstGeom prst="rect">
+            <a:avLst/>
+          </a:prstGeom>
+          <a:noFill/>
+        </p:spPr>
+        <p:txBody>
+          <a:bodyPr wrap="none" rtlCol="0">
+            <a:spAutoFit/>
+          </a:bodyPr>
+          <a:lstStyle/>
+          <a:p>
+            <a:r>
+              <a:rPr lang="en-US" altLang="zh-CN" sz="2400" b="1" dirty="0">
+                <a:solidFill>
+                  <a:srgbClr val="A5A5A5"/>
+                </a:solidFill>
+                <a:latin typeface="Arial Black" panose="020B0A04020102020204" pitchFamily="34" charset="0"/>
+                <a:ea typeface="微软雅黑" panose="020B0503020204020204" pitchFamily="34" charset="-122"/>
+              </a:rPr>
+              <a:t>0 </a:t>
+            </a:r>
+            <a:r>
+              <a:rPr lang="en-US" altLang="zh-CN" sz="2400" b="1">
+                <a:solidFill>
+                  <a:srgbClr val="A5A5A5"/>
+                </a:solidFill>
+                <a:latin typeface="Arial Black" panose="020B0A04020102020204" pitchFamily="34" charset="0"/>
+                <a:ea typeface="微软雅黑" panose="020B0503020204020204" pitchFamily="34" charset="-122"/>
+              </a:rPr>
+              <a:t>x 68</a:t>
+            </a:r>
+            <a:endParaRPr lang="zh-CN" altLang="en-US" sz="2400" b="1" dirty="0">
+              <a:solidFill>
+                <a:srgbClr val="A5A5A5"/>
+              </a:solidFill>
+              <a:latin typeface="Arial Black" panose="020B0A04020102020204" pitchFamily="34" charset="0"/>
+              <a:ea typeface="微软雅黑" panose="020B0503020204020204" pitchFamily="34" charset="-122"/>
+            </a:endParaRPr>
+          </a:p>
+        </p:txBody>
+      </p:sp>
+      <p:sp>
+        <p:nvSpPr>
+          <p:cNvPr id="39" name="文本框 38">
+            <a:extLst>
+              <a:ext uri="{FF2B5EF4-FFF2-40B4-BE49-F238E27FC236}">
+                <a16:creationId xmlns:a16="http://schemas.microsoft.com/office/drawing/2014/main" id="{40D503F8-45D0-4502-8960-3FCC61EDFD46}"/>
+              </a:ext>
+            </a:extLst>
+          </p:cNvPr>
+          <p:cNvSpPr txBox="1"/>
+          <p:nvPr/>
+        </p:nvSpPr>
+        <p:spPr>
+          <a:xfrm>
+            <a:off x="7890420" y="5531383"/>
+            <a:ext cx="1603324" cy="461665"/>
+          </a:xfrm>
+          <a:prstGeom prst="rect">
+            <a:avLst/>
+          </a:prstGeom>
+          <a:noFill/>
+        </p:spPr>
+        <p:txBody>
+          <a:bodyPr wrap="none" rtlCol="0">
+            <a:spAutoFit/>
+          </a:bodyPr>
+          <a:lstStyle/>
+          <a:p>
+            <a:r>
+              <a:rPr lang="en-US" altLang="zh-CN" sz="2400" b="1">
+                <a:solidFill>
+                  <a:srgbClr val="A5A5A5"/>
+                </a:solidFill>
+                <a:latin typeface="Arial Black" panose="020B0A04020102020204" pitchFamily="34" charset="0"/>
+                <a:ea typeface="微软雅黑" panose="020B0503020204020204" pitchFamily="34" charset="-122"/>
+              </a:rPr>
+              <a:t>Optional</a:t>
+            </a:r>
+            <a:endParaRPr lang="zh-CN" altLang="en-US" sz="2400" b="1" dirty="0">
+              <a:solidFill>
+                <a:srgbClr val="A5A5A5"/>
+              </a:solidFill>
+              <a:latin typeface="Arial Black" panose="020B0A04020102020204" pitchFamily="34" charset="0"/>
+              <a:ea typeface="微软雅黑" panose="020B0503020204020204" pitchFamily="34" charset="-122"/>
+            </a:endParaRPr>
+          </a:p>
+        </p:txBody>
+      </p:sp>
     </p:spTree>
     <p:extLst>
       <p:ext uri="{BB962C8B-B14F-4D97-AF65-F5344CB8AC3E}">
